--- a/מערכת ניהול רחפנים בחברת רפא.pptx
+++ b/מערכת ניהול רחפנים בחברת רפא.pptx
@@ -15,16 +15,18 @@
     <p:sldId id="275" r:id="rId9"/>
     <p:sldId id="274" r:id="rId10"/>
     <p:sldId id="265" r:id="rId11"/>
-    <p:sldId id="267" r:id="rId12"/>
-    <p:sldId id="263" r:id="rId13"/>
-    <p:sldId id="268" r:id="rId14"/>
-    <p:sldId id="269" r:id="rId15"/>
-    <p:sldId id="270" r:id="rId16"/>
-    <p:sldId id="271" r:id="rId17"/>
-    <p:sldId id="272" r:id="rId18"/>
-    <p:sldId id="273" r:id="rId19"/>
-    <p:sldId id="276" r:id="rId20"/>
-    <p:sldId id="266" r:id="rId21"/>
+    <p:sldId id="278" r:id="rId12"/>
+    <p:sldId id="277" r:id="rId13"/>
+    <p:sldId id="267" r:id="rId14"/>
+    <p:sldId id="263" r:id="rId15"/>
+    <p:sldId id="269" r:id="rId16"/>
+    <p:sldId id="270" r:id="rId17"/>
+    <p:sldId id="271" r:id="rId18"/>
+    <p:sldId id="279" r:id="rId19"/>
+    <p:sldId id="272" r:id="rId20"/>
+    <p:sldId id="280" r:id="rId21"/>
+    <p:sldId id="276" r:id="rId22"/>
+    <p:sldId id="266" r:id="rId23"/>
   </p:sldIdLst>
   <p:sldSz cx="12192000" cy="6858000"/>
   <p:notesSz cx="6858000" cy="9144000"/>
@@ -262,7 +264,7 @@
           <a:p>
             <a:fld id="{D6842DCC-E97D-4FB7-A656-BC28B8C0E482}" type="datetimeFigureOut">
               <a:rPr lang="he-IL" smtClean="0"/>
-              <a:t>ב'/סיון/תשע"ז</a:t>
+              <a:t>כ"ו/תשרי/תשע"ח</a:t>
             </a:fld>
             <a:endParaRPr lang="he-IL"/>
           </a:p>
@@ -432,7 +434,7 @@
           <a:p>
             <a:fld id="{D6842DCC-E97D-4FB7-A656-BC28B8C0E482}" type="datetimeFigureOut">
               <a:rPr lang="he-IL" smtClean="0"/>
-              <a:t>ב'/סיון/תשע"ז</a:t>
+              <a:t>כ"ו/תשרי/תשע"ח</a:t>
             </a:fld>
             <a:endParaRPr lang="he-IL"/>
           </a:p>
@@ -612,7 +614,7 @@
           <a:p>
             <a:fld id="{D6842DCC-E97D-4FB7-A656-BC28B8C0E482}" type="datetimeFigureOut">
               <a:rPr lang="he-IL" smtClean="0"/>
-              <a:t>ב'/סיון/תשע"ז</a:t>
+              <a:t>כ"ו/תשרי/תשע"ח</a:t>
             </a:fld>
             <a:endParaRPr lang="he-IL"/>
           </a:p>
@@ -782,7 +784,7 @@
           <a:p>
             <a:fld id="{D6842DCC-E97D-4FB7-A656-BC28B8C0E482}" type="datetimeFigureOut">
               <a:rPr lang="he-IL" smtClean="0"/>
-              <a:t>ב'/סיון/תשע"ז</a:t>
+              <a:t>כ"ו/תשרי/תשע"ח</a:t>
             </a:fld>
             <a:endParaRPr lang="he-IL"/>
           </a:p>
@@ -1028,7 +1030,7 @@
           <a:p>
             <a:fld id="{D6842DCC-E97D-4FB7-A656-BC28B8C0E482}" type="datetimeFigureOut">
               <a:rPr lang="he-IL" smtClean="0"/>
-              <a:t>ב'/סיון/תשע"ז</a:t>
+              <a:t>כ"ו/תשרי/תשע"ח</a:t>
             </a:fld>
             <a:endParaRPr lang="he-IL"/>
           </a:p>
@@ -1260,7 +1262,7 @@
           <a:p>
             <a:fld id="{D6842DCC-E97D-4FB7-A656-BC28B8C0E482}" type="datetimeFigureOut">
               <a:rPr lang="he-IL" smtClean="0"/>
-              <a:t>ב'/סיון/תשע"ז</a:t>
+              <a:t>כ"ו/תשרי/תשע"ח</a:t>
             </a:fld>
             <a:endParaRPr lang="he-IL"/>
           </a:p>
@@ -1627,7 +1629,7 @@
           <a:p>
             <a:fld id="{D6842DCC-E97D-4FB7-A656-BC28B8C0E482}" type="datetimeFigureOut">
               <a:rPr lang="he-IL" smtClean="0"/>
-              <a:t>ב'/סיון/תשע"ז</a:t>
+              <a:t>כ"ו/תשרי/תשע"ח</a:t>
             </a:fld>
             <a:endParaRPr lang="he-IL"/>
           </a:p>
@@ -1745,7 +1747,7 @@
           <a:p>
             <a:fld id="{D6842DCC-E97D-4FB7-A656-BC28B8C0E482}" type="datetimeFigureOut">
               <a:rPr lang="he-IL" smtClean="0"/>
-              <a:t>ב'/סיון/תשע"ז</a:t>
+              <a:t>כ"ו/תשרי/תשע"ח</a:t>
             </a:fld>
             <a:endParaRPr lang="he-IL"/>
           </a:p>
@@ -1840,7 +1842,7 @@
           <a:p>
             <a:fld id="{D6842DCC-E97D-4FB7-A656-BC28B8C0E482}" type="datetimeFigureOut">
               <a:rPr lang="he-IL" smtClean="0"/>
-              <a:t>ב'/סיון/תשע"ז</a:t>
+              <a:t>כ"ו/תשרי/תשע"ח</a:t>
             </a:fld>
             <a:endParaRPr lang="he-IL"/>
           </a:p>
@@ -2117,7 +2119,7 @@
           <a:p>
             <a:fld id="{D6842DCC-E97D-4FB7-A656-BC28B8C0E482}" type="datetimeFigureOut">
               <a:rPr lang="he-IL" smtClean="0"/>
-              <a:t>ב'/סיון/תשע"ז</a:t>
+              <a:t>כ"ו/תשרי/תשע"ח</a:t>
             </a:fld>
             <a:endParaRPr lang="he-IL"/>
           </a:p>
@@ -2370,7 +2372,7 @@
           <a:p>
             <a:fld id="{D6842DCC-E97D-4FB7-A656-BC28B8C0E482}" type="datetimeFigureOut">
               <a:rPr lang="he-IL" smtClean="0"/>
-              <a:t>ב'/סיון/תשע"ז</a:t>
+              <a:t>כ"ו/תשרי/תשע"ח</a:t>
             </a:fld>
             <a:endParaRPr lang="he-IL"/>
           </a:p>
@@ -2613,7 +2615,7 @@
           <a:p>
             <a:fld id="{D6842DCC-E97D-4FB7-A656-BC28B8C0E482}" type="datetimeFigureOut">
               <a:rPr lang="he-IL" smtClean="0"/>
-              <a:t>ב'/סיון/תשע"ז</a:t>
+              <a:t>כ"ו/תשרי/תשע"ח</a:t>
             </a:fld>
             <a:endParaRPr lang="he-IL"/>
           </a:p>
@@ -3457,6 +3459,1045 @@
           <a:chExt cx="0" cy="0"/>
         </a:xfrm>
       </p:grpSpPr>
+      <p:pic>
+        <p:nvPicPr>
+          <p:cNvPr id="4098" name="Picture 2" descr="http://www.lucidtechindia.com/wp-content/uploads/2016/04/solution.png"/>
+          <p:cNvPicPr>
+            <a:picLocks noChangeAspect="1" noChangeArrowheads="1"/>
+          </p:cNvPicPr>
+          <p:nvPr/>
+        </p:nvPicPr>
+        <p:blipFill>
+          <a:blip r:embed="rId2" cstate="print">
+            <a:extLst>
+              <a:ext uri="{28A0092B-C50C-407E-A947-70E740481C1C}">
+                <a14:useLocalDpi xmlns:a14="http://schemas.microsoft.com/office/drawing/2010/main" val="0"/>
+              </a:ext>
+            </a:extLst>
+          </a:blip>
+          <a:srcRect/>
+          <a:stretch>
+            <a:fillRect/>
+          </a:stretch>
+        </p:blipFill>
+        <p:spPr bwMode="auto">
+          <a:xfrm>
+            <a:off x="0" y="5143500"/>
+            <a:ext cx="2840916" cy="1619250"/>
+          </a:xfrm>
+          <a:prstGeom prst="rect">
+            <a:avLst/>
+          </a:prstGeom>
+          <a:noFill/>
+          <a:extLst>
+            <a:ext uri="{909E8E84-426E-40DD-AFC4-6F175D3DCCD1}">
+              <a14:hiddenFill xmlns:a14="http://schemas.microsoft.com/office/drawing/2010/main">
+                <a:solidFill>
+                  <a:srgbClr val="FFFFFF"/>
+                </a:solidFill>
+              </a14:hiddenFill>
+            </a:ext>
+          </a:extLst>
+        </p:spPr>
+      </p:pic>
+      <p:sp>
+        <p:nvSpPr>
+          <p:cNvPr id="5" name="מציין מיקום תוכן 2"/>
+          <p:cNvSpPr txBox="1">
+            <a:spLocks/>
+          </p:cNvSpPr>
+          <p:nvPr/>
+        </p:nvSpPr>
+        <p:spPr>
+          <a:xfrm>
+            <a:off x="2119194" y="1271588"/>
+            <a:ext cx="9617009" cy="4913312"/>
+          </a:xfrm>
+          <a:prstGeom prst="rect">
+            <a:avLst/>
+          </a:prstGeom>
+        </p:spPr>
+        <p:txBody>
+          <a:bodyPr vert="horz" lIns="91440" tIns="45720" rIns="91440" bIns="45720" rtlCol="1">
+            <a:noAutofit/>
+          </a:bodyPr>
+          <a:lstStyle>
+            <a:lvl1pPr marL="228600" indent="-228600" algn="r" defTabSz="914400" rtl="1" eaLnBrk="1" latinLnBrk="0" hangingPunct="1">
+              <a:lnSpc>
+                <a:spcPct val="90000"/>
+              </a:lnSpc>
+              <a:spcBef>
+                <a:spcPts val="1000"/>
+              </a:spcBef>
+              <a:buFont typeface="Arial" panose="020B0604020202020204" pitchFamily="34" charset="0"/>
+              <a:buChar char="•"/>
+              <a:defRPr sz="2800" kern="1200">
+                <a:solidFill>
+                  <a:schemeClr val="tx1"/>
+                </a:solidFill>
+                <a:latin typeface="+mn-lt"/>
+                <a:ea typeface="+mn-ea"/>
+                <a:cs typeface="+mn-cs"/>
+              </a:defRPr>
+            </a:lvl1pPr>
+            <a:lvl2pPr marL="685800" indent="-228600" algn="r" defTabSz="914400" rtl="1" eaLnBrk="1" latinLnBrk="0" hangingPunct="1">
+              <a:lnSpc>
+                <a:spcPct val="90000"/>
+              </a:lnSpc>
+              <a:spcBef>
+                <a:spcPts val="500"/>
+              </a:spcBef>
+              <a:buFont typeface="Arial" panose="020B0604020202020204" pitchFamily="34" charset="0"/>
+              <a:buChar char="•"/>
+              <a:defRPr sz="2400" kern="1200">
+                <a:solidFill>
+                  <a:schemeClr val="tx1"/>
+                </a:solidFill>
+                <a:latin typeface="+mn-lt"/>
+                <a:ea typeface="+mn-ea"/>
+                <a:cs typeface="+mn-cs"/>
+              </a:defRPr>
+            </a:lvl2pPr>
+            <a:lvl3pPr marL="1143000" indent="-228600" algn="r" defTabSz="914400" rtl="1" eaLnBrk="1" latinLnBrk="0" hangingPunct="1">
+              <a:lnSpc>
+                <a:spcPct val="90000"/>
+              </a:lnSpc>
+              <a:spcBef>
+                <a:spcPts val="500"/>
+              </a:spcBef>
+              <a:buFont typeface="Arial" panose="020B0604020202020204" pitchFamily="34" charset="0"/>
+              <a:buChar char="•"/>
+              <a:defRPr sz="2000" kern="1200">
+                <a:solidFill>
+                  <a:schemeClr val="tx1"/>
+                </a:solidFill>
+                <a:latin typeface="+mn-lt"/>
+                <a:ea typeface="+mn-ea"/>
+                <a:cs typeface="+mn-cs"/>
+              </a:defRPr>
+            </a:lvl3pPr>
+            <a:lvl4pPr marL="1600200" indent="-228600" algn="r" defTabSz="914400" rtl="1" eaLnBrk="1" latinLnBrk="0" hangingPunct="1">
+              <a:lnSpc>
+                <a:spcPct val="90000"/>
+              </a:lnSpc>
+              <a:spcBef>
+                <a:spcPts val="500"/>
+              </a:spcBef>
+              <a:buFont typeface="Arial" panose="020B0604020202020204" pitchFamily="34" charset="0"/>
+              <a:buChar char="•"/>
+              <a:defRPr sz="1800" kern="1200">
+                <a:solidFill>
+                  <a:schemeClr val="tx1"/>
+                </a:solidFill>
+                <a:latin typeface="+mn-lt"/>
+                <a:ea typeface="+mn-ea"/>
+                <a:cs typeface="+mn-cs"/>
+              </a:defRPr>
+            </a:lvl4pPr>
+            <a:lvl5pPr marL="2057400" indent="-228600" algn="r" defTabSz="914400" rtl="1" eaLnBrk="1" latinLnBrk="0" hangingPunct="1">
+              <a:lnSpc>
+                <a:spcPct val="90000"/>
+              </a:lnSpc>
+              <a:spcBef>
+                <a:spcPts val="500"/>
+              </a:spcBef>
+              <a:buFont typeface="Arial" panose="020B0604020202020204" pitchFamily="34" charset="0"/>
+              <a:buChar char="•"/>
+              <a:defRPr sz="1800" kern="1200">
+                <a:solidFill>
+                  <a:schemeClr val="tx1"/>
+                </a:solidFill>
+                <a:latin typeface="+mn-lt"/>
+                <a:ea typeface="+mn-ea"/>
+                <a:cs typeface="+mn-cs"/>
+              </a:defRPr>
+            </a:lvl5pPr>
+            <a:lvl6pPr marL="2514600" indent="-228600" algn="r" defTabSz="914400" rtl="1" eaLnBrk="1" latinLnBrk="0" hangingPunct="1">
+              <a:lnSpc>
+                <a:spcPct val="90000"/>
+              </a:lnSpc>
+              <a:spcBef>
+                <a:spcPts val="500"/>
+              </a:spcBef>
+              <a:buFont typeface="Arial" panose="020B0604020202020204" pitchFamily="34" charset="0"/>
+              <a:buChar char="•"/>
+              <a:defRPr sz="1800" kern="1200">
+                <a:solidFill>
+                  <a:schemeClr val="tx1"/>
+                </a:solidFill>
+                <a:latin typeface="+mn-lt"/>
+                <a:ea typeface="+mn-ea"/>
+                <a:cs typeface="+mn-cs"/>
+              </a:defRPr>
+            </a:lvl6pPr>
+            <a:lvl7pPr marL="2971800" indent="-228600" algn="r" defTabSz="914400" rtl="1" eaLnBrk="1" latinLnBrk="0" hangingPunct="1">
+              <a:lnSpc>
+                <a:spcPct val="90000"/>
+              </a:lnSpc>
+              <a:spcBef>
+                <a:spcPts val="500"/>
+              </a:spcBef>
+              <a:buFont typeface="Arial" panose="020B0604020202020204" pitchFamily="34" charset="0"/>
+              <a:buChar char="•"/>
+              <a:defRPr sz="1800" kern="1200">
+                <a:solidFill>
+                  <a:schemeClr val="tx1"/>
+                </a:solidFill>
+                <a:latin typeface="+mn-lt"/>
+                <a:ea typeface="+mn-ea"/>
+                <a:cs typeface="+mn-cs"/>
+              </a:defRPr>
+            </a:lvl7pPr>
+            <a:lvl8pPr marL="3429000" indent="-228600" algn="r" defTabSz="914400" rtl="1" eaLnBrk="1" latinLnBrk="0" hangingPunct="1">
+              <a:lnSpc>
+                <a:spcPct val="90000"/>
+              </a:lnSpc>
+              <a:spcBef>
+                <a:spcPts val="500"/>
+              </a:spcBef>
+              <a:buFont typeface="Arial" panose="020B0604020202020204" pitchFamily="34" charset="0"/>
+              <a:buChar char="•"/>
+              <a:defRPr sz="1800" kern="1200">
+                <a:solidFill>
+                  <a:schemeClr val="tx1"/>
+                </a:solidFill>
+                <a:latin typeface="+mn-lt"/>
+                <a:ea typeface="+mn-ea"/>
+                <a:cs typeface="+mn-cs"/>
+              </a:defRPr>
+            </a:lvl8pPr>
+            <a:lvl9pPr marL="3886200" indent="-228600" algn="r" defTabSz="914400" rtl="1" eaLnBrk="1" latinLnBrk="0" hangingPunct="1">
+              <a:lnSpc>
+                <a:spcPct val="90000"/>
+              </a:lnSpc>
+              <a:spcBef>
+                <a:spcPts val="500"/>
+              </a:spcBef>
+              <a:buFont typeface="Arial" panose="020B0604020202020204" pitchFamily="34" charset="0"/>
+              <a:buChar char="•"/>
+              <a:defRPr sz="1800" kern="1200">
+                <a:solidFill>
+                  <a:schemeClr val="tx1"/>
+                </a:solidFill>
+                <a:latin typeface="+mn-lt"/>
+                <a:ea typeface="+mn-ea"/>
+                <a:cs typeface="+mn-cs"/>
+              </a:defRPr>
+            </a:lvl9pPr>
+          </a:lstStyle>
+          <a:p>
+            <a:pPr marL="0" indent="0">
+              <a:buNone/>
+            </a:pPr>
+            <a:endParaRPr lang="he-IL" sz="2200" b="1" dirty="0" smtClean="0">
+              <a:latin typeface="Calibri Light" panose="020F0302020204030204" pitchFamily="34" charset="0"/>
+              <a:cs typeface="Calibri Light" panose="020F0302020204030204" pitchFamily="34" charset="0"/>
+            </a:endParaRPr>
+          </a:p>
+          <a:p>
+            <a:pPr>
+              <a:buFont typeface="Courier New" panose="02070309020205020404" pitchFamily="49" charset="0"/>
+              <a:buChar char="o"/>
+            </a:pPr>
+            <a:r>
+              <a:rPr lang="he-IL" sz="2200" b="1" dirty="0" smtClean="0">
+                <a:latin typeface="Calibri Light" panose="020F0302020204030204" pitchFamily="34" charset="0"/>
+                <a:cs typeface="Calibri Light" panose="020F0302020204030204" pitchFamily="34" charset="0"/>
+              </a:rPr>
+              <a:t>המערכת תציג את כל הטיסות שהתרחשו ותאפשר סינון ע"פ </a:t>
+            </a:r>
+            <a:r>
+              <a:rPr lang="en-US" sz="2200" b="1" dirty="0" smtClean="0">
+                <a:latin typeface="Calibri Light" panose="020F0302020204030204" pitchFamily="34" charset="0"/>
+                <a:cs typeface="Calibri Light" panose="020F0302020204030204" pitchFamily="34" charset="0"/>
+              </a:rPr>
+              <a:t>id</a:t>
+            </a:r>
+            <a:r>
+              <a:rPr lang="he-IL" sz="2200" b="1" dirty="0" smtClean="0">
+                <a:latin typeface="Calibri Light" panose="020F0302020204030204" pitchFamily="34" charset="0"/>
+                <a:cs typeface="Calibri Light" panose="020F0302020204030204" pitchFamily="34" charset="0"/>
+              </a:rPr>
+              <a:t> של הרחפן, תאריך המראה/ נחיתה וסטטוס</a:t>
+            </a:r>
+          </a:p>
+          <a:p>
+            <a:pPr>
+              <a:buFont typeface="Courier New" panose="02070309020205020404" pitchFamily="49" charset="0"/>
+              <a:buChar char="o"/>
+            </a:pPr>
+            <a:r>
+              <a:rPr lang="he-IL" sz="2200" b="1" dirty="0">
+                <a:latin typeface="Calibri Light" panose="020F0302020204030204" pitchFamily="34" charset="0"/>
+                <a:cs typeface="Calibri Light" panose="020F0302020204030204" pitchFamily="34" charset="0"/>
+              </a:rPr>
+              <a:t>המערכת תשמור בצורה אוטומטית את קבצי הלוג הנ"ל בבסיס נתונים מסודר</a:t>
+            </a:r>
+            <a:r>
+              <a:rPr lang="he-IL" sz="2200" b="1" dirty="0" smtClean="0">
+                <a:latin typeface="Calibri Light" panose="020F0302020204030204" pitchFamily="34" charset="0"/>
+                <a:cs typeface="Calibri Light" panose="020F0302020204030204" pitchFamily="34" charset="0"/>
+              </a:rPr>
+              <a:t>.</a:t>
+            </a:r>
+          </a:p>
+          <a:p>
+            <a:pPr>
+              <a:buFont typeface="Courier New" panose="02070309020205020404" pitchFamily="49" charset="0"/>
+              <a:buChar char="o"/>
+            </a:pPr>
+            <a:r>
+              <a:rPr lang="he-IL" sz="2200" b="1" dirty="0" smtClean="0">
+                <a:latin typeface="Calibri Light" panose="020F0302020204030204" pitchFamily="34" charset="0"/>
+                <a:cs typeface="Calibri Light" panose="020F0302020204030204" pitchFamily="34" charset="0"/>
+              </a:rPr>
+              <a:t>המערכת תאפשר שליפה מהירה ונוחה של קבצי הלוג של כל טיסה ותתריע במקרה של תקלה שארעה במהלך הטיסה (ממופה לפי צבעים)</a:t>
+            </a:r>
+          </a:p>
+          <a:p>
+            <a:pPr>
+              <a:buFont typeface="Courier New" panose="02070309020205020404" pitchFamily="49" charset="0"/>
+              <a:buChar char="o"/>
+            </a:pPr>
+            <a:r>
+              <a:rPr lang="he-IL" sz="2200" b="1" dirty="0" smtClean="0">
+                <a:latin typeface="Calibri Light" panose="020F0302020204030204" pitchFamily="34" charset="0"/>
+                <a:cs typeface="Calibri Light" panose="020F0302020204030204" pitchFamily="34" charset="0"/>
+              </a:rPr>
+              <a:t>המערכת תציג לכל </a:t>
+            </a:r>
+            <a:r>
+              <a:rPr lang="he-IL" sz="2200" b="1" dirty="0" err="1" smtClean="0">
+                <a:latin typeface="Calibri Light" panose="020F0302020204030204" pitchFamily="34" charset="0"/>
+                <a:cs typeface="Calibri Light" panose="020F0302020204030204" pitchFamily="34" charset="0"/>
+              </a:rPr>
+              <a:t>רחפן</a:t>
+            </a:r>
+            <a:r>
+              <a:rPr lang="he-IL" sz="2200" b="1" dirty="0" smtClean="0">
+                <a:latin typeface="Calibri Light" panose="020F0302020204030204" pitchFamily="34" charset="0"/>
+                <a:cs typeface="Calibri Light" panose="020F0302020204030204" pitchFamily="34" charset="0"/>
+              </a:rPr>
+              <a:t> את המידע הבא: כלל הטיסות שביצע, מס' הטיסות, מס' השגיאות, סה"כ זמן שהייה באוויר וזמן מקסימלי באוויר</a:t>
+            </a:r>
+          </a:p>
+          <a:p>
+            <a:pPr>
+              <a:buFont typeface="Courier New" panose="02070309020205020404" pitchFamily="49" charset="0"/>
+              <a:buChar char="o"/>
+            </a:pPr>
+            <a:r>
+              <a:rPr lang="he-IL" sz="2200" b="1" dirty="0" smtClean="0">
+                <a:latin typeface="Calibri Light" panose="020F0302020204030204" pitchFamily="34" charset="0"/>
+                <a:cs typeface="Calibri Light" panose="020F0302020204030204" pitchFamily="34" charset="0"/>
+              </a:rPr>
+              <a:t>המערכת תאפשר לשלוף את קבצי הלוג מבסיס הנתונים בצורה נוחה לבקשת המשתמש.</a:t>
+            </a:r>
+          </a:p>
+          <a:p>
+            <a:pPr>
+              <a:buFont typeface="Courier New" panose="02070309020205020404" pitchFamily="49" charset="0"/>
+              <a:buChar char="o"/>
+            </a:pPr>
+            <a:r>
+              <a:rPr lang="he-IL" sz="2200" b="1" dirty="0" smtClean="0">
+                <a:latin typeface="Calibri Light" panose="020F0302020204030204" pitchFamily="34" charset="0"/>
+                <a:cs typeface="Calibri Light" panose="020F0302020204030204" pitchFamily="34" charset="0"/>
+              </a:rPr>
+              <a:t>המערכת תאפשר ייצוא של קובץ </a:t>
+            </a:r>
+            <a:r>
+              <a:rPr lang="en-US" sz="2200" b="1" dirty="0" smtClean="0">
+                <a:latin typeface="Calibri Light" panose="020F0302020204030204" pitchFamily="34" charset="0"/>
+                <a:cs typeface="Calibri Light" panose="020F0302020204030204" pitchFamily="34" charset="0"/>
+              </a:rPr>
+              <a:t>PDF/CSV</a:t>
+            </a:r>
+            <a:r>
+              <a:rPr lang="he-IL" sz="2200" b="1" dirty="0" smtClean="0">
+                <a:latin typeface="Calibri Light" panose="020F0302020204030204" pitchFamily="34" charset="0"/>
+                <a:cs typeface="Calibri Light" panose="020F0302020204030204" pitchFamily="34" charset="0"/>
+              </a:rPr>
+              <a:t> של כלל הטיסות וע"פ סינוני המשתמש</a:t>
+            </a:r>
+          </a:p>
+          <a:p>
+            <a:pPr marL="0" indent="0">
+              <a:buNone/>
+            </a:pPr>
+            <a:endParaRPr lang="he-IL" sz="2200" b="1" dirty="0" smtClean="0">
+              <a:latin typeface="Calibri Light" panose="020F0302020204030204" pitchFamily="34" charset="0"/>
+              <a:cs typeface="Calibri Light" panose="020F0302020204030204" pitchFamily="34" charset="0"/>
+            </a:endParaRPr>
+          </a:p>
+          <a:p>
+            <a:pPr marL="0" indent="0">
+              <a:buNone/>
+            </a:pPr>
+            <a:r>
+              <a:rPr lang="he-IL" sz="2200" b="1" dirty="0" smtClean="0">
+                <a:latin typeface="Calibri Light" panose="020F0302020204030204" pitchFamily="34" charset="0"/>
+                <a:cs typeface="Calibri Light" panose="020F0302020204030204" pitchFamily="34" charset="0"/>
+              </a:rPr>
+              <a:t> </a:t>
+            </a:r>
+          </a:p>
+          <a:p>
+            <a:endParaRPr lang="he-IL" sz="2200" b="1" dirty="0">
+              <a:latin typeface="David" panose="020E0502060401010101" pitchFamily="34" charset="-79"/>
+              <a:cs typeface="David" panose="020E0502060401010101" pitchFamily="34" charset="-79"/>
+            </a:endParaRPr>
+          </a:p>
+        </p:txBody>
+      </p:sp>
+      <p:sp>
+        <p:nvSpPr>
+          <p:cNvPr id="6" name="כותרת 1"/>
+          <p:cNvSpPr txBox="1">
+            <a:spLocks/>
+          </p:cNvSpPr>
+          <p:nvPr/>
+        </p:nvSpPr>
+        <p:spPr>
+          <a:xfrm>
+            <a:off x="809172" y="30956"/>
+            <a:ext cx="10515600" cy="1325563"/>
+          </a:xfrm>
+          <a:prstGeom prst="rect">
+            <a:avLst/>
+          </a:prstGeom>
+        </p:spPr>
+        <p:txBody>
+          <a:bodyPr vert="horz" lIns="91440" tIns="45720" rIns="91440" bIns="45720" rtlCol="1" anchor="ctr">
+            <a:normAutofit/>
+          </a:bodyPr>
+          <a:lstStyle>
+            <a:lvl1pPr algn="r" defTabSz="914400" rtl="1" eaLnBrk="1" latinLnBrk="0" hangingPunct="1">
+              <a:lnSpc>
+                <a:spcPct val="90000"/>
+              </a:lnSpc>
+              <a:spcBef>
+                <a:spcPct val="0"/>
+              </a:spcBef>
+              <a:buNone/>
+              <a:defRPr sz="4400" kern="1200">
+                <a:solidFill>
+                  <a:schemeClr val="tx1"/>
+                </a:solidFill>
+                <a:latin typeface="+mj-lt"/>
+                <a:ea typeface="+mj-ea"/>
+                <a:cs typeface="+mj-cs"/>
+              </a:defRPr>
+            </a:lvl1pPr>
+          </a:lstStyle>
+          <a:p>
+            <a:pPr algn="ctr"/>
+            <a:r>
+              <a:rPr lang="he-IL" sz="7000" b="1" dirty="0" smtClean="0">
+                <a:solidFill>
+                  <a:schemeClr val="accent1">
+                    <a:lumMod val="50000"/>
+                  </a:schemeClr>
+                </a:solidFill>
+                <a:effectLst>
+                  <a:outerShdw blurRad="38100" dist="38100" dir="2700000" algn="tl">
+                    <a:srgbClr val="000000">
+                      <a:alpha val="43137"/>
+                    </a:srgbClr>
+                  </a:outerShdw>
+                </a:effectLst>
+                <a:latin typeface="Calibri Light" panose="020F0302020204030204" pitchFamily="34" charset="0"/>
+                <a:cs typeface="Calibri Light" panose="020F0302020204030204" pitchFamily="34" charset="0"/>
+              </a:rPr>
+              <a:t>מודול תחקורים</a:t>
+            </a:r>
+            <a:endParaRPr lang="he-IL" sz="7000" b="1" dirty="0">
+              <a:solidFill>
+                <a:schemeClr val="accent1">
+                  <a:lumMod val="50000"/>
+                </a:schemeClr>
+              </a:solidFill>
+              <a:effectLst>
+                <a:outerShdw blurRad="38100" dist="38100" dir="2700000" algn="tl">
+                  <a:srgbClr val="000000">
+                    <a:alpha val="43137"/>
+                  </a:srgbClr>
+                </a:outerShdw>
+              </a:effectLst>
+              <a:latin typeface="Calibri Light" panose="020F0302020204030204" pitchFamily="34" charset="0"/>
+              <a:cs typeface="Calibri Light" panose="020F0302020204030204" pitchFamily="34" charset="0"/>
+            </a:endParaRPr>
+          </a:p>
+        </p:txBody>
+      </p:sp>
+    </p:spTree>
+    <p:extLst>
+      <p:ext uri="{BB962C8B-B14F-4D97-AF65-F5344CB8AC3E}">
+        <p14:creationId xmlns:p14="http://schemas.microsoft.com/office/powerpoint/2010/main" val="3586747707"/>
+      </p:ext>
+    </p:extLst>
+  </p:cSld>
+  <p:clrMapOvr>
+    <a:masterClrMapping/>
+  </p:clrMapOvr>
+  <p:timing>
+    <p:tnLst>
+      <p:par>
+        <p:cTn id="1" dur="indefinite" restart="never" nodeType="tmRoot"/>
+      </p:par>
+    </p:tnLst>
+  </p:timing>
+</p:sld>
+</file>
+
+<file path=ppt/slides/slide11.xml><?xml version="1.0" encoding="utf-8"?>
+<p:sld xmlns:a="http://schemas.openxmlformats.org/drawingml/2006/main" xmlns:r="http://schemas.openxmlformats.org/officeDocument/2006/relationships" xmlns:p="http://schemas.openxmlformats.org/presentationml/2006/main">
+  <p:cSld>
+    <p:spTree>
+      <p:nvGrpSpPr>
+        <p:cNvPr id="1" name=""/>
+        <p:cNvGrpSpPr/>
+        <p:nvPr/>
+      </p:nvGrpSpPr>
+      <p:grpSpPr>
+        <a:xfrm>
+          <a:off x="0" y="0"/>
+          <a:ext cx="0" cy="0"/>
+          <a:chOff x="0" y="0"/>
+          <a:chExt cx="0" cy="0"/>
+        </a:xfrm>
+      </p:grpSpPr>
+      <p:pic>
+        <p:nvPicPr>
+          <p:cNvPr id="4098" name="Picture 2" descr="http://www.lucidtechindia.com/wp-content/uploads/2016/04/solution.png"/>
+          <p:cNvPicPr>
+            <a:picLocks noChangeAspect="1" noChangeArrowheads="1"/>
+          </p:cNvPicPr>
+          <p:nvPr/>
+        </p:nvPicPr>
+        <p:blipFill>
+          <a:blip r:embed="rId2" cstate="print">
+            <a:extLst>
+              <a:ext uri="{28A0092B-C50C-407E-A947-70E740481C1C}">
+                <a14:useLocalDpi xmlns:a14="http://schemas.microsoft.com/office/drawing/2010/main" val="0"/>
+              </a:ext>
+            </a:extLst>
+          </a:blip>
+          <a:srcRect/>
+          <a:stretch>
+            <a:fillRect/>
+          </a:stretch>
+        </p:blipFill>
+        <p:spPr bwMode="auto">
+          <a:xfrm>
+            <a:off x="0" y="5143500"/>
+            <a:ext cx="2840916" cy="1619250"/>
+          </a:xfrm>
+          <a:prstGeom prst="rect">
+            <a:avLst/>
+          </a:prstGeom>
+          <a:noFill/>
+          <a:extLst>
+            <a:ext uri="{909E8E84-426E-40DD-AFC4-6F175D3DCCD1}">
+              <a14:hiddenFill xmlns:a14="http://schemas.microsoft.com/office/drawing/2010/main">
+                <a:solidFill>
+                  <a:srgbClr val="FFFFFF"/>
+                </a:solidFill>
+              </a14:hiddenFill>
+            </a:ext>
+          </a:extLst>
+        </p:spPr>
+      </p:pic>
+      <p:sp>
+        <p:nvSpPr>
+          <p:cNvPr id="5" name="מציין מיקום תוכן 2"/>
+          <p:cNvSpPr txBox="1">
+            <a:spLocks/>
+          </p:cNvSpPr>
+          <p:nvPr/>
+        </p:nvSpPr>
+        <p:spPr>
+          <a:xfrm>
+            <a:off x="2119194" y="1271588"/>
+            <a:ext cx="9617009" cy="4913312"/>
+          </a:xfrm>
+          <a:prstGeom prst="rect">
+            <a:avLst/>
+          </a:prstGeom>
+        </p:spPr>
+        <p:txBody>
+          <a:bodyPr vert="horz" lIns="91440" tIns="45720" rIns="91440" bIns="45720" rtlCol="1">
+            <a:noAutofit/>
+          </a:bodyPr>
+          <a:lstStyle>
+            <a:lvl1pPr marL="228600" indent="-228600" algn="r" defTabSz="914400" rtl="1" eaLnBrk="1" latinLnBrk="0" hangingPunct="1">
+              <a:lnSpc>
+                <a:spcPct val="90000"/>
+              </a:lnSpc>
+              <a:spcBef>
+                <a:spcPts val="1000"/>
+              </a:spcBef>
+              <a:buFont typeface="Arial" panose="020B0604020202020204" pitchFamily="34" charset="0"/>
+              <a:buChar char="•"/>
+              <a:defRPr sz="2800" kern="1200">
+                <a:solidFill>
+                  <a:schemeClr val="tx1"/>
+                </a:solidFill>
+                <a:latin typeface="+mn-lt"/>
+                <a:ea typeface="+mn-ea"/>
+                <a:cs typeface="+mn-cs"/>
+              </a:defRPr>
+            </a:lvl1pPr>
+            <a:lvl2pPr marL="685800" indent="-228600" algn="r" defTabSz="914400" rtl="1" eaLnBrk="1" latinLnBrk="0" hangingPunct="1">
+              <a:lnSpc>
+                <a:spcPct val="90000"/>
+              </a:lnSpc>
+              <a:spcBef>
+                <a:spcPts val="500"/>
+              </a:spcBef>
+              <a:buFont typeface="Arial" panose="020B0604020202020204" pitchFamily="34" charset="0"/>
+              <a:buChar char="•"/>
+              <a:defRPr sz="2400" kern="1200">
+                <a:solidFill>
+                  <a:schemeClr val="tx1"/>
+                </a:solidFill>
+                <a:latin typeface="+mn-lt"/>
+                <a:ea typeface="+mn-ea"/>
+                <a:cs typeface="+mn-cs"/>
+              </a:defRPr>
+            </a:lvl2pPr>
+            <a:lvl3pPr marL="1143000" indent="-228600" algn="r" defTabSz="914400" rtl="1" eaLnBrk="1" latinLnBrk="0" hangingPunct="1">
+              <a:lnSpc>
+                <a:spcPct val="90000"/>
+              </a:lnSpc>
+              <a:spcBef>
+                <a:spcPts val="500"/>
+              </a:spcBef>
+              <a:buFont typeface="Arial" panose="020B0604020202020204" pitchFamily="34" charset="0"/>
+              <a:buChar char="•"/>
+              <a:defRPr sz="2000" kern="1200">
+                <a:solidFill>
+                  <a:schemeClr val="tx1"/>
+                </a:solidFill>
+                <a:latin typeface="+mn-lt"/>
+                <a:ea typeface="+mn-ea"/>
+                <a:cs typeface="+mn-cs"/>
+              </a:defRPr>
+            </a:lvl3pPr>
+            <a:lvl4pPr marL="1600200" indent="-228600" algn="r" defTabSz="914400" rtl="1" eaLnBrk="1" latinLnBrk="0" hangingPunct="1">
+              <a:lnSpc>
+                <a:spcPct val="90000"/>
+              </a:lnSpc>
+              <a:spcBef>
+                <a:spcPts val="500"/>
+              </a:spcBef>
+              <a:buFont typeface="Arial" panose="020B0604020202020204" pitchFamily="34" charset="0"/>
+              <a:buChar char="•"/>
+              <a:defRPr sz="1800" kern="1200">
+                <a:solidFill>
+                  <a:schemeClr val="tx1"/>
+                </a:solidFill>
+                <a:latin typeface="+mn-lt"/>
+                <a:ea typeface="+mn-ea"/>
+                <a:cs typeface="+mn-cs"/>
+              </a:defRPr>
+            </a:lvl4pPr>
+            <a:lvl5pPr marL="2057400" indent="-228600" algn="r" defTabSz="914400" rtl="1" eaLnBrk="1" latinLnBrk="0" hangingPunct="1">
+              <a:lnSpc>
+                <a:spcPct val="90000"/>
+              </a:lnSpc>
+              <a:spcBef>
+                <a:spcPts val="500"/>
+              </a:spcBef>
+              <a:buFont typeface="Arial" panose="020B0604020202020204" pitchFamily="34" charset="0"/>
+              <a:buChar char="•"/>
+              <a:defRPr sz="1800" kern="1200">
+                <a:solidFill>
+                  <a:schemeClr val="tx1"/>
+                </a:solidFill>
+                <a:latin typeface="+mn-lt"/>
+                <a:ea typeface="+mn-ea"/>
+                <a:cs typeface="+mn-cs"/>
+              </a:defRPr>
+            </a:lvl5pPr>
+            <a:lvl6pPr marL="2514600" indent="-228600" algn="r" defTabSz="914400" rtl="1" eaLnBrk="1" latinLnBrk="0" hangingPunct="1">
+              <a:lnSpc>
+                <a:spcPct val="90000"/>
+              </a:lnSpc>
+              <a:spcBef>
+                <a:spcPts val="500"/>
+              </a:spcBef>
+              <a:buFont typeface="Arial" panose="020B0604020202020204" pitchFamily="34" charset="0"/>
+              <a:buChar char="•"/>
+              <a:defRPr sz="1800" kern="1200">
+                <a:solidFill>
+                  <a:schemeClr val="tx1"/>
+                </a:solidFill>
+                <a:latin typeface="+mn-lt"/>
+                <a:ea typeface="+mn-ea"/>
+                <a:cs typeface="+mn-cs"/>
+              </a:defRPr>
+            </a:lvl6pPr>
+            <a:lvl7pPr marL="2971800" indent="-228600" algn="r" defTabSz="914400" rtl="1" eaLnBrk="1" latinLnBrk="0" hangingPunct="1">
+              <a:lnSpc>
+                <a:spcPct val="90000"/>
+              </a:lnSpc>
+              <a:spcBef>
+                <a:spcPts val="500"/>
+              </a:spcBef>
+              <a:buFont typeface="Arial" panose="020B0604020202020204" pitchFamily="34" charset="0"/>
+              <a:buChar char="•"/>
+              <a:defRPr sz="1800" kern="1200">
+                <a:solidFill>
+                  <a:schemeClr val="tx1"/>
+                </a:solidFill>
+                <a:latin typeface="+mn-lt"/>
+                <a:ea typeface="+mn-ea"/>
+                <a:cs typeface="+mn-cs"/>
+              </a:defRPr>
+            </a:lvl7pPr>
+            <a:lvl8pPr marL="3429000" indent="-228600" algn="r" defTabSz="914400" rtl="1" eaLnBrk="1" latinLnBrk="0" hangingPunct="1">
+              <a:lnSpc>
+                <a:spcPct val="90000"/>
+              </a:lnSpc>
+              <a:spcBef>
+                <a:spcPts val="500"/>
+              </a:spcBef>
+              <a:buFont typeface="Arial" panose="020B0604020202020204" pitchFamily="34" charset="0"/>
+              <a:buChar char="•"/>
+              <a:defRPr sz="1800" kern="1200">
+                <a:solidFill>
+                  <a:schemeClr val="tx1"/>
+                </a:solidFill>
+                <a:latin typeface="+mn-lt"/>
+                <a:ea typeface="+mn-ea"/>
+                <a:cs typeface="+mn-cs"/>
+              </a:defRPr>
+            </a:lvl8pPr>
+            <a:lvl9pPr marL="3886200" indent="-228600" algn="r" defTabSz="914400" rtl="1" eaLnBrk="1" latinLnBrk="0" hangingPunct="1">
+              <a:lnSpc>
+                <a:spcPct val="90000"/>
+              </a:lnSpc>
+              <a:spcBef>
+                <a:spcPts val="500"/>
+              </a:spcBef>
+              <a:buFont typeface="Arial" panose="020B0604020202020204" pitchFamily="34" charset="0"/>
+              <a:buChar char="•"/>
+              <a:defRPr sz="1800" kern="1200">
+                <a:solidFill>
+                  <a:schemeClr val="tx1"/>
+                </a:solidFill>
+                <a:latin typeface="+mn-lt"/>
+                <a:ea typeface="+mn-ea"/>
+                <a:cs typeface="+mn-cs"/>
+              </a:defRPr>
+            </a:lvl9pPr>
+          </a:lstStyle>
+          <a:p>
+            <a:pPr marL="0" indent="0">
+              <a:buNone/>
+            </a:pPr>
+            <a:endParaRPr lang="he-IL" sz="2200" b="1" dirty="0" smtClean="0">
+              <a:latin typeface="Calibri Light" panose="020F0302020204030204" pitchFamily="34" charset="0"/>
+              <a:cs typeface="Calibri Light" panose="020F0302020204030204" pitchFamily="34" charset="0"/>
+            </a:endParaRPr>
+          </a:p>
+          <a:p>
+            <a:pPr>
+              <a:buFont typeface="Courier New" panose="02070309020205020404" pitchFamily="49" charset="0"/>
+              <a:buChar char="o"/>
+            </a:pPr>
+            <a:r>
+              <a:rPr lang="he-IL" sz="2200" b="1" dirty="0" smtClean="0">
+                <a:latin typeface="Calibri Light" panose="020F0302020204030204" pitchFamily="34" charset="0"/>
+                <a:cs typeface="Calibri Light" panose="020F0302020204030204" pitchFamily="34" charset="0"/>
+              </a:rPr>
+              <a:t>המערכת תאפשר הוספה/ עריכה ומחיקת מנוע מה</a:t>
+            </a:r>
+            <a:r>
+              <a:rPr lang="en-US" sz="2200" b="1" dirty="0" smtClean="0">
+                <a:latin typeface="Calibri Light" panose="020F0302020204030204" pitchFamily="34" charset="0"/>
+                <a:cs typeface="Calibri Light" panose="020F0302020204030204" pitchFamily="34" charset="0"/>
+              </a:rPr>
+              <a:t>DB</a:t>
+            </a:r>
+          </a:p>
+          <a:p>
+            <a:pPr>
+              <a:buFont typeface="Courier New" panose="02070309020205020404" pitchFamily="49" charset="0"/>
+              <a:buChar char="o"/>
+            </a:pPr>
+            <a:r>
+              <a:rPr lang="he-IL" sz="2200" b="1" dirty="0" smtClean="0">
+                <a:latin typeface="Calibri Light" panose="020F0302020204030204" pitchFamily="34" charset="0"/>
+                <a:cs typeface="Calibri Light" panose="020F0302020204030204" pitchFamily="34" charset="0"/>
+              </a:rPr>
+              <a:t>המערכת תאפשר הוספה/ עריכה ומחיקת סוללה מה</a:t>
+            </a:r>
+            <a:r>
+              <a:rPr lang="en-US" sz="2200" b="1" dirty="0" smtClean="0">
+                <a:latin typeface="Calibri Light" panose="020F0302020204030204" pitchFamily="34" charset="0"/>
+                <a:cs typeface="Calibri Light" panose="020F0302020204030204" pitchFamily="34" charset="0"/>
+              </a:rPr>
+              <a:t>DB</a:t>
+            </a:r>
+          </a:p>
+          <a:p>
+            <a:pPr>
+              <a:buFont typeface="Courier New" panose="02070309020205020404" pitchFamily="49" charset="0"/>
+              <a:buChar char="o"/>
+            </a:pPr>
+            <a:r>
+              <a:rPr lang="he-IL" sz="2200" b="1" dirty="0" smtClean="0">
+                <a:latin typeface="Calibri Light" panose="020F0302020204030204" pitchFamily="34" charset="0"/>
+                <a:cs typeface="Calibri Light" panose="020F0302020204030204" pitchFamily="34" charset="0"/>
+              </a:rPr>
+              <a:t>המערכת תאפשר הוספה/ עריכה ומחיקת להב מה</a:t>
+            </a:r>
+            <a:r>
+              <a:rPr lang="en-US" sz="2200" b="1" dirty="0" smtClean="0">
+                <a:latin typeface="Calibri Light" panose="020F0302020204030204" pitchFamily="34" charset="0"/>
+                <a:cs typeface="Calibri Light" panose="020F0302020204030204" pitchFamily="34" charset="0"/>
+              </a:rPr>
+              <a:t>DB</a:t>
+            </a:r>
+            <a:endParaRPr lang="he-IL" sz="2200" b="1" dirty="0" smtClean="0">
+              <a:latin typeface="Calibri Light" panose="020F0302020204030204" pitchFamily="34" charset="0"/>
+              <a:cs typeface="Calibri Light" panose="020F0302020204030204" pitchFamily="34" charset="0"/>
+            </a:endParaRPr>
+          </a:p>
+          <a:p>
+            <a:pPr>
+              <a:buFont typeface="Courier New" panose="02070309020205020404" pitchFamily="49" charset="0"/>
+              <a:buChar char="o"/>
+            </a:pPr>
+            <a:endParaRPr lang="he-IL" sz="2200" b="1" dirty="0">
+              <a:latin typeface="Calibri Light" panose="020F0302020204030204" pitchFamily="34" charset="0"/>
+              <a:cs typeface="Calibri Light" panose="020F0302020204030204" pitchFamily="34" charset="0"/>
+            </a:endParaRPr>
+          </a:p>
+          <a:p>
+            <a:pPr>
+              <a:buFont typeface="Courier New" panose="02070309020205020404" pitchFamily="49" charset="0"/>
+              <a:buChar char="o"/>
+            </a:pPr>
+            <a:r>
+              <a:rPr lang="he-IL" sz="2200" b="1" dirty="0" smtClean="0">
+                <a:latin typeface="Calibri Light" panose="020F0302020204030204" pitchFamily="34" charset="0"/>
+                <a:cs typeface="Calibri Light" panose="020F0302020204030204" pitchFamily="34" charset="0"/>
+              </a:rPr>
+              <a:t>המערכת תאפשר הוספה של רכיב בודד/ הוספת מספר רכיבים מקובץ </a:t>
+            </a:r>
+            <a:r>
+              <a:rPr lang="en-US" sz="2200" b="1" dirty="0" smtClean="0">
+                <a:latin typeface="Calibri Light" panose="020F0302020204030204" pitchFamily="34" charset="0"/>
+                <a:cs typeface="Calibri Light" panose="020F0302020204030204" pitchFamily="34" charset="0"/>
+              </a:rPr>
+              <a:t>CSV</a:t>
+            </a:r>
+          </a:p>
+          <a:p>
+            <a:pPr>
+              <a:buFont typeface="Courier New" panose="02070309020205020404" pitchFamily="49" charset="0"/>
+              <a:buChar char="o"/>
+            </a:pPr>
+            <a:r>
+              <a:rPr lang="he-IL" sz="2200" b="1" dirty="0">
+                <a:latin typeface="Calibri Light" panose="020F0302020204030204" pitchFamily="34" charset="0"/>
+                <a:cs typeface="Calibri Light" panose="020F0302020204030204" pitchFamily="34" charset="0"/>
+              </a:rPr>
+              <a:t>המערכת תאפשר ייצוא של קובץ </a:t>
+            </a:r>
+            <a:r>
+              <a:rPr lang="en-US" sz="2200" b="1" dirty="0">
+                <a:latin typeface="Calibri Light" panose="020F0302020204030204" pitchFamily="34" charset="0"/>
+                <a:cs typeface="Calibri Light" panose="020F0302020204030204" pitchFamily="34" charset="0"/>
+              </a:rPr>
+              <a:t>PDF/CSV</a:t>
+            </a:r>
+            <a:r>
+              <a:rPr lang="he-IL" sz="2200" b="1" dirty="0">
+                <a:latin typeface="Calibri Light" panose="020F0302020204030204" pitchFamily="34" charset="0"/>
+                <a:cs typeface="Calibri Light" panose="020F0302020204030204" pitchFamily="34" charset="0"/>
+              </a:rPr>
+              <a:t> של </a:t>
+            </a:r>
+            <a:r>
+              <a:rPr lang="he-IL" sz="2200" b="1" dirty="0" smtClean="0">
+                <a:latin typeface="Calibri Light" panose="020F0302020204030204" pitchFamily="34" charset="0"/>
+                <a:cs typeface="Calibri Light" panose="020F0302020204030204" pitchFamily="34" charset="0"/>
+              </a:rPr>
+              <a:t>כלל הטבלאות ב</a:t>
+            </a:r>
+            <a:r>
+              <a:rPr lang="en-US" sz="2200" b="1" dirty="0" smtClean="0">
+                <a:latin typeface="Calibri Light" panose="020F0302020204030204" pitchFamily="34" charset="0"/>
+                <a:cs typeface="Calibri Light" panose="020F0302020204030204" pitchFamily="34" charset="0"/>
+              </a:rPr>
+              <a:t>DB</a:t>
+            </a:r>
+            <a:endParaRPr lang="he-IL" sz="2200" b="1" dirty="0">
+              <a:latin typeface="Calibri Light" panose="020F0302020204030204" pitchFamily="34" charset="0"/>
+              <a:cs typeface="Calibri Light" panose="020F0302020204030204" pitchFamily="34" charset="0"/>
+            </a:endParaRPr>
+          </a:p>
+          <a:p>
+            <a:pPr>
+              <a:buFont typeface="Courier New" panose="02070309020205020404" pitchFamily="49" charset="0"/>
+              <a:buChar char="o"/>
+            </a:pPr>
+            <a:endParaRPr lang="he-IL" sz="2200" b="1" dirty="0" smtClean="0">
+              <a:latin typeface="Calibri Light" panose="020F0302020204030204" pitchFamily="34" charset="0"/>
+              <a:cs typeface="Calibri Light" panose="020F0302020204030204" pitchFamily="34" charset="0"/>
+            </a:endParaRPr>
+          </a:p>
+          <a:p>
+            <a:pPr>
+              <a:buFont typeface="Courier New" panose="02070309020205020404" pitchFamily="49" charset="0"/>
+              <a:buChar char="o"/>
+            </a:pPr>
+            <a:endParaRPr lang="he-IL" sz="2200" b="1" dirty="0" smtClean="0">
+              <a:latin typeface="Calibri Light" panose="020F0302020204030204" pitchFamily="34" charset="0"/>
+              <a:cs typeface="Calibri Light" panose="020F0302020204030204" pitchFamily="34" charset="0"/>
+            </a:endParaRPr>
+          </a:p>
+          <a:p>
+            <a:pPr marL="0" indent="0">
+              <a:buNone/>
+            </a:pPr>
+            <a:r>
+              <a:rPr lang="he-IL" sz="2200" b="1" dirty="0" smtClean="0">
+                <a:latin typeface="Calibri Light" panose="020F0302020204030204" pitchFamily="34" charset="0"/>
+                <a:cs typeface="Calibri Light" panose="020F0302020204030204" pitchFamily="34" charset="0"/>
+              </a:rPr>
+              <a:t> </a:t>
+            </a:r>
+          </a:p>
+          <a:p>
+            <a:endParaRPr lang="he-IL" sz="2200" b="1" dirty="0">
+              <a:latin typeface="David" panose="020E0502060401010101" pitchFamily="34" charset="-79"/>
+              <a:cs typeface="David" panose="020E0502060401010101" pitchFamily="34" charset="-79"/>
+            </a:endParaRPr>
+          </a:p>
+        </p:txBody>
+      </p:sp>
+      <p:sp>
+        <p:nvSpPr>
+          <p:cNvPr id="6" name="כותרת 1"/>
+          <p:cNvSpPr txBox="1">
+            <a:spLocks/>
+          </p:cNvSpPr>
+          <p:nvPr/>
+        </p:nvSpPr>
+        <p:spPr>
+          <a:xfrm>
+            <a:off x="809172" y="30956"/>
+            <a:ext cx="10515600" cy="1325563"/>
+          </a:xfrm>
+          <a:prstGeom prst="rect">
+            <a:avLst/>
+          </a:prstGeom>
+        </p:spPr>
+        <p:txBody>
+          <a:bodyPr vert="horz" lIns="91440" tIns="45720" rIns="91440" bIns="45720" rtlCol="1" anchor="ctr">
+            <a:normAutofit/>
+          </a:bodyPr>
+          <a:lstStyle>
+            <a:lvl1pPr algn="r" defTabSz="914400" rtl="1" eaLnBrk="1" latinLnBrk="0" hangingPunct="1">
+              <a:lnSpc>
+                <a:spcPct val="90000"/>
+              </a:lnSpc>
+              <a:spcBef>
+                <a:spcPct val="0"/>
+              </a:spcBef>
+              <a:buNone/>
+              <a:defRPr sz="4400" kern="1200">
+                <a:solidFill>
+                  <a:schemeClr val="tx1"/>
+                </a:solidFill>
+                <a:latin typeface="+mj-lt"/>
+                <a:ea typeface="+mj-ea"/>
+                <a:cs typeface="+mj-cs"/>
+              </a:defRPr>
+            </a:lvl1pPr>
+          </a:lstStyle>
+          <a:p>
+            <a:pPr algn="ctr"/>
+            <a:r>
+              <a:rPr lang="he-IL" sz="7000" b="1" dirty="0" smtClean="0">
+                <a:solidFill>
+                  <a:schemeClr val="accent1">
+                    <a:lumMod val="50000"/>
+                  </a:schemeClr>
+                </a:solidFill>
+                <a:effectLst>
+                  <a:outerShdw blurRad="38100" dist="38100" dir="2700000" algn="tl">
+                    <a:srgbClr val="000000">
+                      <a:alpha val="43137"/>
+                    </a:srgbClr>
+                  </a:outerShdw>
+                </a:effectLst>
+                <a:latin typeface="Calibri Light" panose="020F0302020204030204" pitchFamily="34" charset="0"/>
+                <a:cs typeface="Calibri Light" panose="020F0302020204030204" pitchFamily="34" charset="0"/>
+              </a:rPr>
+              <a:t>מודול ניהול</a:t>
+            </a:r>
+            <a:endParaRPr lang="he-IL" sz="7000" b="1" dirty="0">
+              <a:solidFill>
+                <a:schemeClr val="accent1">
+                  <a:lumMod val="50000"/>
+                </a:schemeClr>
+              </a:solidFill>
+              <a:effectLst>
+                <a:outerShdw blurRad="38100" dist="38100" dir="2700000" algn="tl">
+                  <a:srgbClr val="000000">
+                    <a:alpha val="43137"/>
+                  </a:srgbClr>
+                </a:outerShdw>
+              </a:effectLst>
+              <a:latin typeface="Calibri Light" panose="020F0302020204030204" pitchFamily="34" charset="0"/>
+              <a:cs typeface="Calibri Light" panose="020F0302020204030204" pitchFamily="34" charset="0"/>
+            </a:endParaRPr>
+          </a:p>
+        </p:txBody>
+      </p:sp>
+    </p:spTree>
+    <p:extLst>
+      <p:ext uri="{BB962C8B-B14F-4D97-AF65-F5344CB8AC3E}">
+        <p14:creationId xmlns:p14="http://schemas.microsoft.com/office/powerpoint/2010/main" val="2568824579"/>
+      </p:ext>
+    </p:extLst>
+  </p:cSld>
+  <p:clrMapOvr>
+    <a:masterClrMapping/>
+  </p:clrMapOvr>
+  <p:timing>
+    <p:tnLst>
+      <p:par>
+        <p:cTn id="1" dur="indefinite" restart="never" nodeType="tmRoot"/>
+      </p:par>
+    </p:tnLst>
+  </p:timing>
+</p:sld>
+</file>
+
+<file path=ppt/slides/slide12.xml><?xml version="1.0" encoding="utf-8"?>
+<p:sld xmlns:a="http://schemas.openxmlformats.org/drawingml/2006/main" xmlns:r="http://schemas.openxmlformats.org/officeDocument/2006/relationships" xmlns:p="http://schemas.openxmlformats.org/presentationml/2006/main">
+  <p:cSld>
+    <p:spTree>
+      <p:nvGrpSpPr>
+        <p:cNvPr id="1" name=""/>
+        <p:cNvGrpSpPr/>
+        <p:nvPr/>
+      </p:nvGrpSpPr>
+      <p:grpSpPr>
+        <a:xfrm>
+          <a:off x="0" y="0"/>
+          <a:ext cx="0" cy="0"/>
+          <a:chOff x="0" y="0"/>
+          <a:chExt cx="0" cy="0"/>
+        </a:xfrm>
+      </p:grpSpPr>
       <p:sp>
         <p:nvSpPr>
           <p:cNvPr id="4" name="כותרת 1"/>
@@ -3509,7 +4550,7 @@
                 <a:latin typeface="Calibri Light" panose="020F0302020204030204" pitchFamily="34" charset="0"/>
                 <a:cs typeface="Calibri Light" panose="020F0302020204030204" pitchFamily="34" charset="0"/>
               </a:rPr>
-              <a:t>מודול ניסויים</a:t>
+              <a:t>דוחות ניהול</a:t>
             </a:r>
             <a:endParaRPr lang="he-IL" sz="7000" b="1" dirty="0">
               <a:solidFill>
@@ -3532,7 +4573,7 @@
           <p:nvPr/>
         </p:nvPicPr>
         <p:blipFill>
-          <a:blip r:embed="rId2">
+          <a:blip r:embed="rId2" cstate="print">
             <a:extLst>
               <a:ext uri="{28A0092B-C50C-407E-A947-70E740481C1C}">
                 <a14:useLocalDpi xmlns:a14="http://schemas.microsoft.com/office/drawing/2010/main" val="0"/>
@@ -3546,8 +4587,8 @@
         </p:blipFill>
         <p:spPr bwMode="auto">
           <a:xfrm>
-            <a:off x="0" y="4829176"/>
-            <a:ext cx="3392386" cy="1933574"/>
+            <a:off x="0" y="5143500"/>
+            <a:ext cx="2840916" cy="1619250"/>
           </a:xfrm>
           <a:prstGeom prst="rect">
             <a:avLst/>
@@ -3574,8 +4615,8 @@
         </p:nvSpPr>
         <p:spPr>
           <a:xfrm>
-            <a:off x="2169994" y="1576388"/>
-            <a:ext cx="9617009" cy="2541678"/>
+            <a:off x="2119194" y="1271588"/>
+            <a:ext cx="9617009" cy="4913312"/>
           </a:xfrm>
           <a:prstGeom prst="rect">
             <a:avLst/>
@@ -3750,103 +4791,16 @@
             </a:lvl9pPr>
           </a:lstStyle>
           <a:p>
-            <a:pPr>
-              <a:buFont typeface="Courier New" panose="02070309020205020404" pitchFamily="49" charset="0"/>
-              <a:buChar char="o"/>
+            <a:pPr marL="0" indent="0" algn="ctr">
+              <a:buNone/>
             </a:pPr>
             <a:r>
               <a:rPr lang="he-IL" sz="2200" b="1" dirty="0" smtClean="0">
                 <a:latin typeface="Calibri Light" panose="020F0302020204030204" pitchFamily="34" charset="0"/>
                 <a:cs typeface="Calibri Light" panose="020F0302020204030204" pitchFamily="34" charset="0"/>
               </a:rPr>
-              <a:t>במצב הקיים, כל </a:t>
-            </a:r>
-            <a:r>
-              <a:rPr lang="he-IL" sz="2200" b="1" dirty="0" err="1" smtClean="0">
-                <a:latin typeface="Calibri Light" panose="020F0302020204030204" pitchFamily="34" charset="0"/>
-                <a:cs typeface="Calibri Light" panose="020F0302020204030204" pitchFamily="34" charset="0"/>
-              </a:rPr>
-              <a:t>רחפן</a:t>
-            </a:r>
-            <a:r>
-              <a:rPr lang="he-IL" sz="2200" b="1" dirty="0" smtClean="0">
-                <a:latin typeface="Calibri Light" panose="020F0302020204030204" pitchFamily="34" charset="0"/>
-                <a:cs typeface="Calibri Light" panose="020F0302020204030204" pitchFamily="34" charset="0"/>
-              </a:rPr>
-              <a:t> מייצר קבצי לוג במהלך טיסתו. קבצים אלה נשמרים בצורה ידנית (כשצריך) ומפוענחים ידנית ע"י אנשי התוכנה והאווירונאוטים בצוות.</a:t>
-            </a:r>
-          </a:p>
-          <a:p>
-            <a:pPr>
-              <a:buFont typeface="Courier New" panose="02070309020205020404" pitchFamily="49" charset="0"/>
-              <a:buChar char="o"/>
-            </a:pPr>
-            <a:r>
-              <a:rPr lang="he-IL" sz="2200" b="1" dirty="0" smtClean="0">
-                <a:latin typeface="Calibri Light" panose="020F0302020204030204" pitchFamily="34" charset="0"/>
-                <a:cs typeface="Calibri Light" panose="020F0302020204030204" pitchFamily="34" charset="0"/>
-              </a:rPr>
-              <a:t>המערכת </a:t>
-            </a:r>
-            <a:r>
-              <a:rPr lang="he-IL" sz="2200" b="1" dirty="0" smtClean="0">
-                <a:latin typeface="Calibri Light" panose="020F0302020204030204" pitchFamily="34" charset="0"/>
-                <a:cs typeface="Calibri Light" panose="020F0302020204030204" pitchFamily="34" charset="0"/>
-              </a:rPr>
-              <a:t>תשמור בצורה אוטומטית את </a:t>
-            </a:r>
-            <a:r>
-              <a:rPr lang="he-IL" sz="2200" b="1" dirty="0" smtClean="0">
-                <a:latin typeface="Calibri Light" panose="020F0302020204030204" pitchFamily="34" charset="0"/>
-                <a:cs typeface="Calibri Light" panose="020F0302020204030204" pitchFamily="34" charset="0"/>
-              </a:rPr>
-              <a:t>קבצי הלוג הנ"ל בבסיס נתונים מסודר.</a:t>
-            </a:r>
-            <a:endParaRPr lang="he-IL" sz="2200" b="1" dirty="0" smtClean="0">
-              <a:latin typeface="Calibri Light" panose="020F0302020204030204" pitchFamily="34" charset="0"/>
-              <a:cs typeface="Calibri Light" panose="020F0302020204030204" pitchFamily="34" charset="0"/>
-            </a:endParaRPr>
-          </a:p>
-          <a:p>
-            <a:pPr>
-              <a:buFont typeface="Courier New" panose="02070309020205020404" pitchFamily="49" charset="0"/>
-              <a:buChar char="o"/>
-            </a:pPr>
-            <a:r>
-              <a:rPr lang="he-IL" sz="2200" b="1" dirty="0" smtClean="0">
-                <a:latin typeface="Calibri Light" panose="020F0302020204030204" pitchFamily="34" charset="0"/>
-                <a:cs typeface="Calibri Light" panose="020F0302020204030204" pitchFamily="34" charset="0"/>
-              </a:rPr>
-              <a:t>המערכת תבצע ניתוח אוטומטי </a:t>
-            </a:r>
-            <a:r>
-              <a:rPr lang="he-IL" sz="2200" b="1" dirty="0" smtClean="0">
-                <a:latin typeface="Calibri Light" panose="020F0302020204030204" pitchFamily="34" charset="0"/>
-                <a:cs typeface="Calibri Light" panose="020F0302020204030204" pitchFamily="34" charset="0"/>
-              </a:rPr>
-              <a:t>על קבצי הלוג לאחר כל טיסה, ותדע להתריע במקרה של בעיות.</a:t>
-            </a:r>
-            <a:endParaRPr lang="he-IL" sz="2200" b="1" dirty="0" smtClean="0">
-              <a:latin typeface="Calibri Light" panose="020F0302020204030204" pitchFamily="34" charset="0"/>
-              <a:cs typeface="Calibri Light" panose="020F0302020204030204" pitchFamily="34" charset="0"/>
-            </a:endParaRPr>
-          </a:p>
-          <a:p>
-            <a:pPr>
-              <a:buFont typeface="Courier New" panose="02070309020205020404" pitchFamily="49" charset="0"/>
-              <a:buChar char="o"/>
-            </a:pPr>
-            <a:r>
-              <a:rPr lang="he-IL" sz="2200" b="1" dirty="0" smtClean="0">
-                <a:latin typeface="Calibri Light" panose="020F0302020204030204" pitchFamily="34" charset="0"/>
-                <a:cs typeface="Calibri Light" panose="020F0302020204030204" pitchFamily="34" charset="0"/>
-              </a:rPr>
-              <a:t>המערכת תאפשר לשלוף את קבצי הלוג מבסיס הנתונים בצורה נוחה לבקשת המשתמש.</a:t>
-            </a:r>
-            <a:endParaRPr lang="he-IL" sz="2200" b="1" dirty="0" smtClean="0">
-              <a:latin typeface="Calibri Light" panose="020F0302020204030204" pitchFamily="34" charset="0"/>
-              <a:cs typeface="Calibri Light" panose="020F0302020204030204" pitchFamily="34" charset="0"/>
-            </a:endParaRPr>
+              <a:t>במערכת קיימים 5 דוחות לטובת בקרה ושליטה על הנתונים וביצוע בקרת איכות</a:t>
+            </a:r>
           </a:p>
           <a:p>
             <a:pPr marL="0" indent="0">
@@ -3858,6 +4812,166 @@
             </a:endParaRPr>
           </a:p>
           <a:p>
+            <a:pPr>
+              <a:buFont typeface="Courier New" panose="02070309020205020404" pitchFamily="49" charset="0"/>
+              <a:buChar char="o"/>
+            </a:pPr>
+            <a:r>
+              <a:rPr lang="he-IL" sz="2200" b="1" dirty="0" smtClean="0">
+                <a:latin typeface="Calibri Light" panose="020F0302020204030204" pitchFamily="34" charset="0"/>
+                <a:cs typeface="Calibri Light" panose="020F0302020204030204" pitchFamily="34" charset="0"/>
+              </a:rPr>
+              <a:t>מס' הטיסות לכל </a:t>
+            </a:r>
+            <a:r>
+              <a:rPr lang="he-IL" sz="2200" b="1" dirty="0" err="1" smtClean="0">
+                <a:latin typeface="Calibri Light" panose="020F0302020204030204" pitchFamily="34" charset="0"/>
+                <a:cs typeface="Calibri Light" panose="020F0302020204030204" pitchFamily="34" charset="0"/>
+              </a:rPr>
+              <a:t>רחפן</a:t>
+            </a:r>
+            <a:endParaRPr lang="he-IL" sz="2200" b="1" dirty="0" smtClean="0">
+              <a:latin typeface="Calibri Light" panose="020F0302020204030204" pitchFamily="34" charset="0"/>
+              <a:cs typeface="Calibri Light" panose="020F0302020204030204" pitchFamily="34" charset="0"/>
+            </a:endParaRPr>
+          </a:p>
+          <a:p>
+            <a:pPr>
+              <a:buFont typeface="Courier New" panose="02070309020205020404" pitchFamily="49" charset="0"/>
+              <a:buChar char="o"/>
+            </a:pPr>
+            <a:r>
+              <a:rPr lang="he-IL" sz="2200" b="1" dirty="0" smtClean="0">
+                <a:latin typeface="Calibri Light" panose="020F0302020204030204" pitchFamily="34" charset="0"/>
+                <a:cs typeface="Calibri Light" panose="020F0302020204030204" pitchFamily="34" charset="0"/>
+              </a:rPr>
+              <a:t>מס' שגיאות ותקלה לכל </a:t>
+            </a:r>
+            <a:r>
+              <a:rPr lang="he-IL" sz="2200" b="1" dirty="0" err="1" smtClean="0">
+                <a:latin typeface="Calibri Light" panose="020F0302020204030204" pitchFamily="34" charset="0"/>
+                <a:cs typeface="Calibri Light" panose="020F0302020204030204" pitchFamily="34" charset="0"/>
+              </a:rPr>
+              <a:t>רחפן</a:t>
+            </a:r>
+            <a:endParaRPr lang="he-IL" sz="2200" b="1" dirty="0" smtClean="0">
+              <a:latin typeface="Calibri Light" panose="020F0302020204030204" pitchFamily="34" charset="0"/>
+              <a:cs typeface="Calibri Light" panose="020F0302020204030204" pitchFamily="34" charset="0"/>
+            </a:endParaRPr>
+          </a:p>
+          <a:p>
+            <a:pPr>
+              <a:buFont typeface="Courier New" panose="02070309020205020404" pitchFamily="49" charset="0"/>
+              <a:buChar char="o"/>
+            </a:pPr>
+            <a:r>
+              <a:rPr lang="he-IL" sz="2200" b="1" dirty="0" smtClean="0">
+                <a:latin typeface="Calibri Light" panose="020F0302020204030204" pitchFamily="34" charset="0"/>
+                <a:cs typeface="Calibri Light" panose="020F0302020204030204" pitchFamily="34" charset="0"/>
+              </a:rPr>
+              <a:t>התפלגות השגיאות</a:t>
+            </a:r>
+          </a:p>
+          <a:p>
+            <a:pPr>
+              <a:buFont typeface="Courier New" panose="02070309020205020404" pitchFamily="49" charset="0"/>
+              <a:buChar char="o"/>
+            </a:pPr>
+            <a:r>
+              <a:rPr lang="he-IL" sz="2200" b="1" dirty="0" smtClean="0">
+                <a:latin typeface="Calibri Light" panose="020F0302020204030204" pitchFamily="34" charset="0"/>
+                <a:cs typeface="Calibri Light" panose="020F0302020204030204" pitchFamily="34" charset="0"/>
+              </a:rPr>
+              <a:t>מס' הטיסות בכל חודש</a:t>
+            </a:r>
+          </a:p>
+          <a:p>
+            <a:pPr>
+              <a:buFont typeface="Courier New" panose="02070309020205020404" pitchFamily="49" charset="0"/>
+              <a:buChar char="o"/>
+            </a:pPr>
+            <a:r>
+              <a:rPr lang="he-IL" sz="2200" b="1" dirty="0">
+                <a:latin typeface="Calibri Light" panose="020F0302020204030204" pitchFamily="34" charset="0"/>
+                <a:cs typeface="Calibri Light" panose="020F0302020204030204" pitchFamily="34" charset="0"/>
+              </a:rPr>
+              <a:t>פירוט השגיאות לפי </a:t>
+            </a:r>
+            <a:r>
+              <a:rPr lang="he-IL" sz="2200" b="1" dirty="0" smtClean="0">
+                <a:latin typeface="Calibri Light" panose="020F0302020204030204" pitchFamily="34" charset="0"/>
+                <a:cs typeface="Calibri Light" panose="020F0302020204030204" pitchFamily="34" charset="0"/>
+              </a:rPr>
+              <a:t>חודשים</a:t>
+            </a:r>
+          </a:p>
+          <a:p>
+            <a:pPr>
+              <a:buFont typeface="Courier New" panose="02070309020205020404" pitchFamily="49" charset="0"/>
+              <a:buChar char="o"/>
+            </a:pPr>
+            <a:endParaRPr lang="he-IL" sz="2200" b="1" dirty="0">
+              <a:latin typeface="Calibri Light" panose="020F0302020204030204" pitchFamily="34" charset="0"/>
+              <a:cs typeface="Calibri Light" panose="020F0302020204030204" pitchFamily="34" charset="0"/>
+            </a:endParaRPr>
+          </a:p>
+          <a:p>
+            <a:pPr>
+              <a:buFont typeface="Courier New" panose="02070309020205020404" pitchFamily="49" charset="0"/>
+              <a:buChar char="o"/>
+            </a:pPr>
+            <a:r>
+              <a:rPr lang="he-IL" sz="2200" b="1" dirty="0" smtClean="0">
+                <a:latin typeface="Calibri Light" panose="020F0302020204030204" pitchFamily="34" charset="0"/>
+                <a:cs typeface="Calibri Light" panose="020F0302020204030204" pitchFamily="34" charset="0"/>
+              </a:rPr>
+              <a:t>המערכת תאפשר שמירת כל אחת מהתמונות כקובץ במחשב</a:t>
+            </a:r>
+            <a:endParaRPr lang="he-IL" sz="2200" b="1" dirty="0">
+              <a:latin typeface="Calibri Light" panose="020F0302020204030204" pitchFamily="34" charset="0"/>
+              <a:cs typeface="Calibri Light" panose="020F0302020204030204" pitchFamily="34" charset="0"/>
+            </a:endParaRPr>
+          </a:p>
+          <a:p>
+            <a:pPr>
+              <a:buFont typeface="Courier New" panose="02070309020205020404" pitchFamily="49" charset="0"/>
+              <a:buChar char="o"/>
+            </a:pPr>
+            <a:endParaRPr lang="he-IL" sz="2200" b="1" dirty="0" smtClean="0">
+              <a:latin typeface="Calibri Light" panose="020F0302020204030204" pitchFamily="34" charset="0"/>
+              <a:cs typeface="Calibri Light" panose="020F0302020204030204" pitchFamily="34" charset="0"/>
+            </a:endParaRPr>
+          </a:p>
+          <a:p>
+            <a:pPr>
+              <a:buFont typeface="Courier New" panose="02070309020205020404" pitchFamily="49" charset="0"/>
+              <a:buChar char="o"/>
+            </a:pPr>
+            <a:endParaRPr lang="he-IL" sz="2200" b="1" dirty="0" smtClean="0">
+              <a:latin typeface="Calibri Light" panose="020F0302020204030204" pitchFamily="34" charset="0"/>
+              <a:cs typeface="Calibri Light" panose="020F0302020204030204" pitchFamily="34" charset="0"/>
+            </a:endParaRPr>
+          </a:p>
+          <a:p>
+            <a:pPr>
+              <a:buFont typeface="Courier New" panose="02070309020205020404" pitchFamily="49" charset="0"/>
+              <a:buChar char="o"/>
+            </a:pPr>
+            <a:endParaRPr lang="he-IL" sz="2200" b="1" dirty="0" smtClean="0">
+              <a:latin typeface="Calibri Light" panose="020F0302020204030204" pitchFamily="34" charset="0"/>
+              <a:cs typeface="Calibri Light" panose="020F0302020204030204" pitchFamily="34" charset="0"/>
+            </a:endParaRPr>
+          </a:p>
+          <a:p>
+            <a:pPr marL="0" indent="0">
+              <a:buNone/>
+            </a:pPr>
+            <a:endParaRPr lang="he-IL" sz="2200" b="1" dirty="0" smtClean="0">
+              <a:latin typeface="Calibri Light" panose="020F0302020204030204" pitchFamily="34" charset="0"/>
+              <a:cs typeface="Calibri Light" panose="020F0302020204030204" pitchFamily="34" charset="0"/>
+            </a:endParaRPr>
+          </a:p>
+          <a:p>
             <a:pPr marL="0" indent="0">
               <a:buNone/>
             </a:pPr>
@@ -3880,7 +4994,7 @@
     </p:spTree>
     <p:extLst>
       <p:ext uri="{BB962C8B-B14F-4D97-AF65-F5344CB8AC3E}">
-        <p14:creationId xmlns:p14="http://schemas.microsoft.com/office/powerpoint/2010/main" val="3586747707"/>
+        <p14:creationId xmlns:p14="http://schemas.microsoft.com/office/powerpoint/2010/main" val="2933383360"/>
       </p:ext>
     </p:extLst>
   </p:cSld>
@@ -3897,7 +5011,7 @@
 </p:sld>
 </file>
 
-<file path=ppt/slides/slide11.xml><?xml version="1.0" encoding="utf-8"?>
+<file path=ppt/slides/slide13.xml><?xml version="1.0" encoding="utf-8"?>
 <p:sld xmlns:a="http://schemas.openxmlformats.org/drawingml/2006/main" xmlns:r="http://schemas.openxmlformats.org/officeDocument/2006/relationships" xmlns:p="http://schemas.openxmlformats.org/presentationml/2006/main">
   <p:cSld>
     <p:spTree>
@@ -4422,7 +5536,7 @@
 </p:sld>
 </file>
 
-<file path=ppt/slides/slide12.xml><?xml version="1.0" encoding="utf-8"?>
+<file path=ppt/slides/slide14.xml><?xml version="1.0" encoding="utf-8"?>
 <p:sld xmlns:a="http://schemas.openxmlformats.org/drawingml/2006/main" xmlns:r="http://schemas.openxmlformats.org/officeDocument/2006/relationships" xmlns:p="http://schemas.openxmlformats.org/presentationml/2006/main">
   <p:cSld>
     <p:spTree>
@@ -5024,371 +6138,6 @@
     <p:extLst>
       <p:ext uri="{BB962C8B-B14F-4D97-AF65-F5344CB8AC3E}">
         <p14:creationId xmlns:p14="http://schemas.microsoft.com/office/powerpoint/2010/main" val="1457313484"/>
-      </p:ext>
-    </p:extLst>
-  </p:cSld>
-  <p:clrMapOvr>
-    <a:masterClrMapping/>
-  </p:clrMapOvr>
-  <p:timing>
-    <p:tnLst>
-      <p:par>
-        <p:cTn id="1" dur="indefinite" restart="never" nodeType="tmRoot"/>
-      </p:par>
-    </p:tnLst>
-  </p:timing>
-</p:sld>
-</file>
-
-<file path=ppt/slides/slide13.xml><?xml version="1.0" encoding="utf-8"?>
-<p:sld xmlns:a="http://schemas.openxmlformats.org/drawingml/2006/main" xmlns:r="http://schemas.openxmlformats.org/officeDocument/2006/relationships" xmlns:p="http://schemas.openxmlformats.org/presentationml/2006/main">
-  <p:cSld>
-    <p:spTree>
-      <p:nvGrpSpPr>
-        <p:cNvPr id="1" name=""/>
-        <p:cNvGrpSpPr/>
-        <p:nvPr/>
-      </p:nvGrpSpPr>
-      <p:grpSpPr>
-        <a:xfrm>
-          <a:off x="0" y="0"/>
-          <a:ext cx="0" cy="0"/>
-          <a:chOff x="0" y="0"/>
-          <a:chExt cx="0" cy="0"/>
-        </a:xfrm>
-      </p:grpSpPr>
-      <p:sp>
-        <p:nvSpPr>
-          <p:cNvPr id="6" name="כותרת 1"/>
-          <p:cNvSpPr txBox="1">
-            <a:spLocks/>
-          </p:cNvSpPr>
-          <p:nvPr/>
-        </p:nvSpPr>
-        <p:spPr>
-          <a:xfrm>
-            <a:off x="952500" y="275855"/>
-            <a:ext cx="10515600" cy="1325563"/>
-          </a:xfrm>
-          <a:prstGeom prst="rect">
-            <a:avLst/>
-          </a:prstGeom>
-        </p:spPr>
-        <p:txBody>
-          <a:bodyPr vert="horz" lIns="91440" tIns="45720" rIns="91440" bIns="45720" rtlCol="1" anchor="ctr">
-            <a:normAutofit/>
-          </a:bodyPr>
-          <a:lstStyle>
-            <a:lvl1pPr algn="r" defTabSz="914400" rtl="1" eaLnBrk="1" latinLnBrk="0" hangingPunct="1">
-              <a:lnSpc>
-                <a:spcPct val="90000"/>
-              </a:lnSpc>
-              <a:spcBef>
-                <a:spcPct val="0"/>
-              </a:spcBef>
-              <a:buNone/>
-              <a:defRPr sz="4400" kern="1200">
-                <a:solidFill>
-                  <a:schemeClr val="tx1"/>
-                </a:solidFill>
-                <a:latin typeface="+mj-lt"/>
-                <a:ea typeface="+mj-ea"/>
-                <a:cs typeface="+mj-cs"/>
-              </a:defRPr>
-            </a:lvl1pPr>
-          </a:lstStyle>
-          <a:p>
-            <a:pPr algn="ctr"/>
-            <a:r>
-              <a:rPr lang="en-US" sz="7000" b="1" dirty="0" smtClean="0">
-                <a:solidFill>
-                  <a:schemeClr val="accent1">
-                    <a:lumMod val="50000"/>
-                  </a:schemeClr>
-                </a:solidFill>
-                <a:latin typeface="Calibri Light" panose="020F0302020204030204" pitchFamily="34" charset="0"/>
-                <a:cs typeface="Calibri Light" panose="020F0302020204030204" pitchFamily="34" charset="0"/>
-              </a:rPr>
-              <a:t>ERD</a:t>
-            </a:r>
-            <a:endParaRPr lang="he-IL" sz="7000" b="1" dirty="0">
-              <a:solidFill>
-                <a:schemeClr val="accent1">
-                  <a:lumMod val="50000"/>
-                </a:schemeClr>
-              </a:solidFill>
-              <a:latin typeface="Calibri Light" panose="020F0302020204030204" pitchFamily="34" charset="0"/>
-              <a:cs typeface="Calibri Light" panose="020F0302020204030204" pitchFamily="34" charset="0"/>
-            </a:endParaRPr>
-          </a:p>
-        </p:txBody>
-      </p:sp>
-      <p:pic>
-        <p:nvPicPr>
-          <p:cNvPr id="4" name="תמונה 3"/>
-          <p:cNvPicPr>
-            <a:picLocks noChangeAspect="1"/>
-          </p:cNvPicPr>
-          <p:nvPr/>
-        </p:nvPicPr>
-        <p:blipFill>
-          <a:blip r:embed="rId2">
-            <a:extLst>
-              <a:ext uri="{28A0092B-C50C-407E-A947-70E740481C1C}">
-                <a14:useLocalDpi xmlns:a14="http://schemas.microsoft.com/office/drawing/2010/main" val="0"/>
-              </a:ext>
-            </a:extLst>
-          </a:blip>
-          <a:stretch>
-            <a:fillRect/>
-          </a:stretch>
-        </p:blipFill>
-        <p:spPr>
-          <a:xfrm>
-            <a:off x="2257245" y="1290347"/>
-            <a:ext cx="7686855" cy="5180424"/>
-          </a:xfrm>
-          <a:prstGeom prst="rect">
-            <a:avLst/>
-          </a:prstGeom>
-        </p:spPr>
-      </p:pic>
-    </p:spTree>
-    <p:extLst>
-      <p:ext uri="{BB962C8B-B14F-4D97-AF65-F5344CB8AC3E}">
-        <p14:creationId xmlns:p14="http://schemas.microsoft.com/office/powerpoint/2010/main" val="1662021071"/>
-      </p:ext>
-    </p:extLst>
-  </p:cSld>
-  <p:clrMapOvr>
-    <a:masterClrMapping/>
-  </p:clrMapOvr>
-  <p:timing>
-    <p:tnLst>
-      <p:par>
-        <p:cTn id="1" dur="indefinite" restart="never" nodeType="tmRoot"/>
-      </p:par>
-    </p:tnLst>
-  </p:timing>
-</p:sld>
-</file>
-
-<file path=ppt/slides/slide14.xml><?xml version="1.0" encoding="utf-8"?>
-<p:sld xmlns:a="http://schemas.openxmlformats.org/drawingml/2006/main" xmlns:r="http://schemas.openxmlformats.org/officeDocument/2006/relationships" xmlns:p="http://schemas.openxmlformats.org/presentationml/2006/main">
-  <p:cSld>
-    <p:spTree>
-      <p:nvGrpSpPr>
-        <p:cNvPr id="1" name=""/>
-        <p:cNvGrpSpPr/>
-        <p:nvPr/>
-      </p:nvGrpSpPr>
-      <p:grpSpPr>
-        <a:xfrm>
-          <a:off x="0" y="0"/>
-          <a:ext cx="0" cy="0"/>
-          <a:chOff x="0" y="0"/>
-          <a:chExt cx="0" cy="0"/>
-        </a:xfrm>
-      </p:grpSpPr>
-      <p:sp>
-        <p:nvSpPr>
-          <p:cNvPr id="6" name="כותרת 1"/>
-          <p:cNvSpPr txBox="1">
-            <a:spLocks/>
-          </p:cNvSpPr>
-          <p:nvPr/>
-        </p:nvSpPr>
-        <p:spPr>
-          <a:xfrm>
-            <a:off x="952500" y="275855"/>
-            <a:ext cx="10515600" cy="1325563"/>
-          </a:xfrm>
-          <a:prstGeom prst="rect">
-            <a:avLst/>
-          </a:prstGeom>
-        </p:spPr>
-        <p:txBody>
-          <a:bodyPr vert="horz" lIns="91440" tIns="45720" rIns="91440" bIns="45720" rtlCol="1" anchor="ctr">
-            <a:normAutofit/>
-          </a:bodyPr>
-          <a:lstStyle>
-            <a:lvl1pPr algn="r" defTabSz="914400" rtl="1" eaLnBrk="1" latinLnBrk="0" hangingPunct="1">
-              <a:lnSpc>
-                <a:spcPct val="90000"/>
-              </a:lnSpc>
-              <a:spcBef>
-                <a:spcPct val="0"/>
-              </a:spcBef>
-              <a:buNone/>
-              <a:defRPr sz="4400" kern="1200">
-                <a:solidFill>
-                  <a:schemeClr val="tx1"/>
-                </a:solidFill>
-                <a:latin typeface="+mj-lt"/>
-                <a:ea typeface="+mj-ea"/>
-                <a:cs typeface="+mj-cs"/>
-              </a:defRPr>
-            </a:lvl1pPr>
-          </a:lstStyle>
-          <a:p>
-            <a:pPr algn="ctr"/>
-            <a:r>
-              <a:rPr lang="he-IL" sz="7000" b="1" dirty="0" smtClean="0">
-                <a:solidFill>
-                  <a:schemeClr val="accent1">
-                    <a:lumMod val="50000"/>
-                  </a:schemeClr>
-                </a:solidFill>
-                <a:latin typeface="Calibri Light" panose="020F0302020204030204" pitchFamily="34" charset="0"/>
-                <a:cs typeface="Calibri Light" panose="020F0302020204030204" pitchFamily="34" charset="0"/>
-              </a:rPr>
-              <a:t>מסכי המערכת</a:t>
-            </a:r>
-            <a:endParaRPr lang="he-IL" sz="7000" b="1" dirty="0">
-              <a:solidFill>
-                <a:schemeClr val="accent1">
-                  <a:lumMod val="50000"/>
-                </a:schemeClr>
-              </a:solidFill>
-              <a:latin typeface="Calibri Light" panose="020F0302020204030204" pitchFamily="34" charset="0"/>
-              <a:cs typeface="Calibri Light" panose="020F0302020204030204" pitchFamily="34" charset="0"/>
-            </a:endParaRPr>
-          </a:p>
-        </p:txBody>
-      </p:sp>
-      <p:sp>
-        <p:nvSpPr>
-          <p:cNvPr id="7" name="כותרת 1"/>
-          <p:cNvSpPr txBox="1">
-            <a:spLocks/>
-          </p:cNvSpPr>
-          <p:nvPr/>
-        </p:nvSpPr>
-        <p:spPr>
-          <a:xfrm>
-            <a:off x="9652000" y="1229241"/>
-            <a:ext cx="2400300" cy="744354"/>
-          </a:xfrm>
-          <a:prstGeom prst="rect">
-            <a:avLst/>
-          </a:prstGeom>
-        </p:spPr>
-        <p:txBody>
-          <a:bodyPr vert="horz" lIns="91440" tIns="45720" rIns="91440" bIns="45720" rtlCol="1" anchor="ctr">
-            <a:normAutofit/>
-          </a:bodyPr>
-          <a:lstStyle>
-            <a:lvl1pPr algn="r" defTabSz="914400" rtl="1" eaLnBrk="1" latinLnBrk="0" hangingPunct="1">
-              <a:lnSpc>
-                <a:spcPct val="90000"/>
-              </a:lnSpc>
-              <a:spcBef>
-                <a:spcPct val="0"/>
-              </a:spcBef>
-              <a:buNone/>
-              <a:defRPr sz="4400" kern="1200">
-                <a:solidFill>
-                  <a:schemeClr val="tx1"/>
-                </a:solidFill>
-                <a:latin typeface="+mj-lt"/>
-                <a:ea typeface="+mj-ea"/>
-                <a:cs typeface="+mj-cs"/>
-              </a:defRPr>
-            </a:lvl1pPr>
-          </a:lstStyle>
-          <a:p>
-            <a:pPr algn="ctr"/>
-            <a:r>
-              <a:rPr lang="he-IL" sz="3500" b="1" dirty="0" smtClean="0">
-                <a:solidFill>
-                  <a:schemeClr val="accent1">
-                    <a:lumMod val="50000"/>
-                  </a:schemeClr>
-                </a:solidFill>
-                <a:latin typeface="Calibri Light" panose="020F0302020204030204" pitchFamily="34" charset="0"/>
-                <a:cs typeface="Calibri Light" panose="020F0302020204030204" pitchFamily="34" charset="0"/>
-              </a:rPr>
-              <a:t>מסך ראשי</a:t>
-            </a:r>
-            <a:endParaRPr lang="he-IL" sz="3500" b="1" dirty="0">
-              <a:solidFill>
-                <a:schemeClr val="accent1">
-                  <a:lumMod val="50000"/>
-                </a:schemeClr>
-              </a:solidFill>
-              <a:latin typeface="Calibri Light" panose="020F0302020204030204" pitchFamily="34" charset="0"/>
-              <a:cs typeface="Calibri Light" panose="020F0302020204030204" pitchFamily="34" charset="0"/>
-            </a:endParaRPr>
-          </a:p>
-        </p:txBody>
-      </p:sp>
-      <p:sp>
-        <p:nvSpPr>
-          <p:cNvPr id="2" name="AutoShape 2" descr="Displaying main.png"/>
-          <p:cNvSpPr>
-            <a:spLocks noChangeAspect="1" noChangeArrowheads="1"/>
-          </p:cNvSpPr>
-          <p:nvPr/>
-        </p:nvSpPr>
-        <p:spPr bwMode="auto">
-          <a:xfrm>
-            <a:off x="155575" y="-144463"/>
-            <a:ext cx="304800" cy="304801"/>
-          </a:xfrm>
-          <a:prstGeom prst="rect">
-            <a:avLst/>
-          </a:prstGeom>
-          <a:noFill/>
-          <a:extLst>
-            <a:ext uri="{909E8E84-426E-40DD-AFC4-6F175D3DCCD1}">
-              <a14:hiddenFill xmlns:a14="http://schemas.microsoft.com/office/drawing/2010/main">
-                <a:solidFill>
-                  <a:srgbClr val="FFFFFF"/>
-                </a:solidFill>
-              </a14:hiddenFill>
-            </a:ext>
-          </a:extLst>
-        </p:spPr>
-        <p:txBody>
-          <a:bodyPr vert="horz" wrap="square" lIns="91440" tIns="45720" rIns="91440" bIns="45720" numCol="1" anchor="t" anchorCtr="0" compatLnSpc="1">
-            <a:prstTxWarp prst="textNoShape">
-              <a:avLst/>
-            </a:prstTxWarp>
-          </a:bodyPr>
-          <a:lstStyle/>
-          <a:p>
-            <a:endParaRPr lang="he-IL"/>
-          </a:p>
-        </p:txBody>
-      </p:sp>
-      <p:pic>
-        <p:nvPicPr>
-          <p:cNvPr id="3" name="תמונה 2"/>
-          <p:cNvPicPr>
-            <a:picLocks noChangeAspect="1"/>
-          </p:cNvPicPr>
-          <p:nvPr/>
-        </p:nvPicPr>
-        <p:blipFill>
-          <a:blip r:embed="rId2"/>
-          <a:stretch>
-            <a:fillRect/>
-          </a:stretch>
-        </p:blipFill>
-        <p:spPr>
-          <a:xfrm>
-            <a:off x="878681" y="1973595"/>
-            <a:ext cx="10663238" cy="4917244"/>
-          </a:xfrm>
-          <a:prstGeom prst="rect">
-            <a:avLst/>
-          </a:prstGeom>
-        </p:spPr>
-      </p:pic>
-    </p:spTree>
-    <p:extLst>
-      <p:ext uri="{BB962C8B-B14F-4D97-AF65-F5344CB8AC3E}">
-        <p14:creationId xmlns:p14="http://schemas.microsoft.com/office/powerpoint/2010/main" val="946530469"/>
       </p:ext>
     </p:extLst>
   </p:cSld>
@@ -5507,7 +6256,7 @@
         </p:spPr>
         <p:txBody>
           <a:bodyPr vert="horz" lIns="91440" tIns="45720" rIns="91440" bIns="45720" rtlCol="1" anchor="ctr">
-            <a:normAutofit fontScale="92500"/>
+            <a:normAutofit/>
           </a:bodyPr>
           <a:lstStyle>
             <a:lvl1pPr algn="r" defTabSz="914400" rtl="1" eaLnBrk="1" latinLnBrk="0" hangingPunct="1">
@@ -5540,7 +6289,7 @@
                 <a:latin typeface="Calibri Light" panose="020F0302020204030204" pitchFamily="34" charset="0"/>
                 <a:cs typeface="Calibri Light" panose="020F0302020204030204" pitchFamily="34" charset="0"/>
               </a:rPr>
-              <a:t>מסך לוח טיסות</a:t>
+              <a:t>מסך ראשי</a:t>
             </a:r>
             <a:endParaRPr lang="he-IL" sz="3500" b="1" dirty="0">
               <a:solidFill>
@@ -5554,22 +6303,55 @@
           </a:p>
         </p:txBody>
       </p:sp>
+      <p:sp>
+        <p:nvSpPr>
+          <p:cNvPr id="2" name="AutoShape 2" descr="Displaying main.png"/>
+          <p:cNvSpPr>
+            <a:spLocks noChangeAspect="1" noChangeArrowheads="1"/>
+          </p:cNvSpPr>
+          <p:nvPr/>
+        </p:nvSpPr>
+        <p:spPr bwMode="auto">
+          <a:xfrm>
+            <a:off x="155575" y="-144463"/>
+            <a:ext cx="304800" cy="304801"/>
+          </a:xfrm>
+          <a:prstGeom prst="rect">
+            <a:avLst/>
+          </a:prstGeom>
+          <a:noFill/>
+          <a:extLst>
+            <a:ext uri="{909E8E84-426E-40DD-AFC4-6F175D3DCCD1}">
+              <a14:hiddenFill xmlns:a14="http://schemas.microsoft.com/office/drawing/2010/main">
+                <a:solidFill>
+                  <a:srgbClr val="FFFFFF"/>
+                </a:solidFill>
+              </a14:hiddenFill>
+            </a:ext>
+          </a:extLst>
+        </p:spPr>
+        <p:txBody>
+          <a:bodyPr vert="horz" wrap="square" lIns="91440" tIns="45720" rIns="91440" bIns="45720" numCol="1" anchor="t" anchorCtr="0" compatLnSpc="1">
+            <a:prstTxWarp prst="textNoShape">
+              <a:avLst/>
+            </a:prstTxWarp>
+          </a:bodyPr>
+          <a:lstStyle/>
+          <a:p>
+            <a:endParaRPr lang="he-IL"/>
+          </a:p>
+        </p:txBody>
+      </p:sp>
       <p:pic>
         <p:nvPicPr>
-          <p:cNvPr id="2" name="תמונה 1"/>
+          <p:cNvPr id="5" name="תמונה 4"/>
           <p:cNvPicPr>
             <a:picLocks noChangeAspect="1"/>
           </p:cNvPicPr>
           <p:nvPr/>
         </p:nvPicPr>
         <p:blipFill>
-          <a:blip r:embed="rId2">
-            <a:extLst>
-              <a:ext uri="{28A0092B-C50C-407E-A947-70E740481C1C}">
-                <a14:useLocalDpi xmlns:a14="http://schemas.microsoft.com/office/drawing/2010/main" val="0"/>
-              </a:ext>
-            </a:extLst>
-          </a:blip>
+          <a:blip r:embed="rId2"/>
           <a:stretch>
             <a:fillRect/>
           </a:stretch>
@@ -5577,7 +6359,7 @@
         <p:spPr>
           <a:xfrm>
             <a:off x="0" y="1973595"/>
-            <a:ext cx="12052919" cy="4813547"/>
+            <a:ext cx="12192000" cy="5444451"/>
           </a:xfrm>
           <a:prstGeom prst="rect">
             <a:avLst/>
@@ -5587,7 +6369,7 @@
     </p:spTree>
     <p:extLst>
       <p:ext uri="{BB962C8B-B14F-4D97-AF65-F5344CB8AC3E}">
-        <p14:creationId xmlns:p14="http://schemas.microsoft.com/office/powerpoint/2010/main" val="1885505420"/>
+        <p14:creationId xmlns:p14="http://schemas.microsoft.com/office/powerpoint/2010/main" val="946530469"/>
       </p:ext>
     </p:extLst>
   </p:cSld>
@@ -5697,8 +6479,8 @@
         </p:nvSpPr>
         <p:spPr>
           <a:xfrm>
-            <a:off x="7569200" y="1432441"/>
-            <a:ext cx="4622800" cy="744354"/>
+            <a:off x="9652000" y="1229241"/>
+            <a:ext cx="2400300" cy="744354"/>
           </a:xfrm>
           <a:prstGeom prst="rect">
             <a:avLst/>
@@ -5706,7 +6488,7 @@
         </p:spPr>
         <p:txBody>
           <a:bodyPr vert="horz" lIns="91440" tIns="45720" rIns="91440" bIns="45720" rtlCol="1" anchor="ctr">
-            <a:normAutofit fontScale="85000" lnSpcReduction="10000"/>
+            <a:normAutofit fontScale="92500"/>
           </a:bodyPr>
           <a:lstStyle>
             <a:lvl1pPr algn="r" defTabSz="914400" rtl="1" eaLnBrk="1" latinLnBrk="0" hangingPunct="1">
@@ -5739,19 +6521,7 @@
                 <a:latin typeface="Calibri Light" panose="020F0302020204030204" pitchFamily="34" charset="0"/>
                 <a:cs typeface="Calibri Light" panose="020F0302020204030204" pitchFamily="34" charset="0"/>
               </a:rPr>
-              <a:t>מסך הזנת נתונים לקבלת </a:t>
-            </a:r>
-            <a:r>
-              <a:rPr lang="en-US" sz="3500" b="1" dirty="0" smtClean="0">
-                <a:solidFill>
-                  <a:schemeClr val="accent1">
-                    <a:lumMod val="50000"/>
-                  </a:schemeClr>
-                </a:solidFill>
-                <a:latin typeface="Calibri Light" panose="020F0302020204030204" pitchFamily="34" charset="0"/>
-                <a:cs typeface="Calibri Light" panose="020F0302020204030204" pitchFamily="34" charset="0"/>
-              </a:rPr>
-              <a:t>Setup</a:t>
+              <a:t>מסך לוח טיסות</a:t>
             </a:r>
             <a:endParaRPr lang="he-IL" sz="3500" b="1" dirty="0">
               <a:solidFill>
@@ -5767,22 +6537,28 @@
       </p:sp>
       <p:pic>
         <p:nvPicPr>
-          <p:cNvPr id="3" name="תמונה 2"/>
+          <p:cNvPr id="2" name="תמונה 1"/>
           <p:cNvPicPr>
             <a:picLocks noChangeAspect="1"/>
           </p:cNvPicPr>
           <p:nvPr/>
         </p:nvPicPr>
         <p:blipFill>
-          <a:blip r:embed="rId2"/>
+          <a:blip r:embed="rId2">
+            <a:extLst>
+              <a:ext uri="{28A0092B-C50C-407E-A947-70E740481C1C}">
+                <a14:useLocalDpi xmlns:a14="http://schemas.microsoft.com/office/drawing/2010/main" val="0"/>
+              </a:ext>
+            </a:extLst>
+          </a:blip>
           <a:stretch>
             <a:fillRect/>
           </a:stretch>
         </p:blipFill>
         <p:spPr>
           <a:xfrm>
-            <a:off x="1866900" y="2176795"/>
-            <a:ext cx="8267700" cy="4389477"/>
+            <a:off x="0" y="1973595"/>
+            <a:ext cx="12052919" cy="4813547"/>
           </a:xfrm>
           <a:prstGeom prst="rect">
             <a:avLst/>
@@ -5792,7 +6568,7 @@
     </p:spTree>
     <p:extLst>
       <p:ext uri="{BB962C8B-B14F-4D97-AF65-F5344CB8AC3E}">
-        <p14:creationId xmlns:p14="http://schemas.microsoft.com/office/powerpoint/2010/main" val="154861479"/>
+        <p14:creationId xmlns:p14="http://schemas.microsoft.com/office/powerpoint/2010/main" val="1885505420"/>
       </p:ext>
     </p:extLst>
   </p:cSld>
@@ -5902,8 +6678,8 @@
         </p:nvSpPr>
         <p:spPr>
           <a:xfrm>
-            <a:off x="9652000" y="1229241"/>
-            <a:ext cx="2400300" cy="744354"/>
+            <a:off x="9182100" y="1324071"/>
+            <a:ext cx="3568700" cy="744354"/>
           </a:xfrm>
           <a:prstGeom prst="rect">
             <a:avLst/>
@@ -5944,19 +6720,7 @@
                 <a:latin typeface="Calibri Light" panose="020F0302020204030204" pitchFamily="34" charset="0"/>
                 <a:cs typeface="Calibri Light" panose="020F0302020204030204" pitchFamily="34" charset="0"/>
               </a:rPr>
-              <a:t>מסך </a:t>
-            </a:r>
-            <a:r>
-              <a:rPr lang="en-US" sz="3500" b="1" dirty="0" smtClean="0">
-                <a:solidFill>
-                  <a:schemeClr val="accent1">
-                    <a:lumMod val="50000"/>
-                  </a:schemeClr>
-                </a:solidFill>
-                <a:latin typeface="Calibri Light" panose="020F0302020204030204" pitchFamily="34" charset="0"/>
-                <a:cs typeface="Calibri Light" panose="020F0302020204030204" pitchFamily="34" charset="0"/>
-              </a:rPr>
-              <a:t>Setup</a:t>
+              <a:t>מסך תחקורים</a:t>
             </a:r>
             <a:endParaRPr lang="he-IL" sz="3500" b="1" dirty="0">
               <a:solidFill>
@@ -5972,7 +6736,7 @@
       </p:sp>
       <p:pic>
         <p:nvPicPr>
-          <p:cNvPr id="4" name="תמונה 3"/>
+          <p:cNvPr id="2" name="תמונה 1"/>
           <p:cNvPicPr>
             <a:picLocks noChangeAspect="1"/>
           </p:cNvPicPr>
@@ -5986,8 +6750,8 @@
         </p:blipFill>
         <p:spPr>
           <a:xfrm>
-            <a:off x="1607668" y="1973595"/>
-            <a:ext cx="9860432" cy="4678786"/>
+            <a:off x="0" y="2068425"/>
+            <a:ext cx="12192000" cy="5591349"/>
           </a:xfrm>
           <a:prstGeom prst="rect">
             <a:avLst/>
@@ -5997,7 +6761,7 @@
     </p:spTree>
     <p:extLst>
       <p:ext uri="{BB962C8B-B14F-4D97-AF65-F5344CB8AC3E}">
-        <p14:creationId xmlns:p14="http://schemas.microsoft.com/office/powerpoint/2010/main" val="462376149"/>
+        <p14:creationId xmlns:p14="http://schemas.microsoft.com/office/powerpoint/2010/main" val="154861479"/>
       </p:ext>
     </p:extLst>
   </p:cSld>
@@ -6083,7 +6847,7 @@
                 <a:latin typeface="Calibri Light" panose="020F0302020204030204" pitchFamily="34" charset="0"/>
                 <a:cs typeface="Calibri Light" panose="020F0302020204030204" pitchFamily="34" charset="0"/>
               </a:rPr>
-              <a:t>לו"ז להמשך עבודה</a:t>
+              <a:t>מסכי המערכת</a:t>
             </a:r>
             <a:endParaRPr lang="he-IL" sz="7000" b="1" dirty="0">
               <a:solidFill>
@@ -6099,7 +6863,7 @@
       </p:sp>
       <p:sp>
         <p:nvSpPr>
-          <p:cNvPr id="4" name="מציין מיקום תוכן 2"/>
+          <p:cNvPr id="7" name="כותרת 1"/>
           <p:cNvSpPr txBox="1">
             <a:spLocks/>
           </p:cNvSpPr>
@@ -6107,404 +6871,102 @@
         </p:nvSpPr>
         <p:spPr>
           <a:xfrm>
-            <a:off x="1625600" y="1601418"/>
-            <a:ext cx="9842500" cy="3427808"/>
+            <a:off x="7569200" y="1432441"/>
+            <a:ext cx="4622800" cy="744354"/>
           </a:xfrm>
           <a:prstGeom prst="rect">
             <a:avLst/>
           </a:prstGeom>
         </p:spPr>
         <p:txBody>
-          <a:bodyPr vert="horz" lIns="91440" tIns="45720" rIns="91440" bIns="45720" rtlCol="1">
-            <a:noAutofit/>
+          <a:bodyPr vert="horz" lIns="91440" tIns="45720" rIns="91440" bIns="45720" rtlCol="1" anchor="ctr">
+            <a:normAutofit fontScale="85000" lnSpcReduction="10000"/>
           </a:bodyPr>
           <a:lstStyle>
-            <a:lvl1pPr marL="228600" indent="-228600" algn="r" defTabSz="914400" rtl="1" eaLnBrk="1" latinLnBrk="0" hangingPunct="1">
-              <a:lnSpc>
-                <a:spcPct val="90000"/>
-              </a:lnSpc>
-              <a:spcBef>
-                <a:spcPts val="1000"/>
-              </a:spcBef>
-              <a:buFont typeface="Arial" panose="020B0604020202020204" pitchFamily="34" charset="0"/>
-              <a:buChar char="•"/>
-              <a:defRPr sz="2800" kern="1200">
-                <a:solidFill>
-                  <a:schemeClr val="tx1"/>
-                </a:solidFill>
-                <a:latin typeface="+mn-lt"/>
-                <a:ea typeface="+mn-ea"/>
-                <a:cs typeface="+mn-cs"/>
+            <a:lvl1pPr algn="r" defTabSz="914400" rtl="1" eaLnBrk="1" latinLnBrk="0" hangingPunct="1">
+              <a:lnSpc>
+                <a:spcPct val="90000"/>
+              </a:lnSpc>
+              <a:spcBef>
+                <a:spcPct val="0"/>
+              </a:spcBef>
+              <a:buNone/>
+              <a:defRPr sz="4400" kern="1200">
+                <a:solidFill>
+                  <a:schemeClr val="tx1"/>
+                </a:solidFill>
+                <a:latin typeface="+mj-lt"/>
+                <a:ea typeface="+mj-ea"/>
+                <a:cs typeface="+mj-cs"/>
               </a:defRPr>
             </a:lvl1pPr>
-            <a:lvl2pPr marL="685800" indent="-228600" algn="r" defTabSz="914400" rtl="1" eaLnBrk="1" latinLnBrk="0" hangingPunct="1">
-              <a:lnSpc>
-                <a:spcPct val="90000"/>
-              </a:lnSpc>
-              <a:spcBef>
-                <a:spcPts val="500"/>
-              </a:spcBef>
-              <a:buFont typeface="Arial" panose="020B0604020202020204" pitchFamily="34" charset="0"/>
-              <a:buChar char="•"/>
-              <a:defRPr sz="2400" kern="1200">
-                <a:solidFill>
-                  <a:schemeClr val="tx1"/>
-                </a:solidFill>
-                <a:latin typeface="+mn-lt"/>
-                <a:ea typeface="+mn-ea"/>
-                <a:cs typeface="+mn-cs"/>
-              </a:defRPr>
-            </a:lvl2pPr>
-            <a:lvl3pPr marL="1143000" indent="-228600" algn="r" defTabSz="914400" rtl="1" eaLnBrk="1" latinLnBrk="0" hangingPunct="1">
-              <a:lnSpc>
-                <a:spcPct val="90000"/>
-              </a:lnSpc>
-              <a:spcBef>
-                <a:spcPts val="500"/>
-              </a:spcBef>
-              <a:buFont typeface="Arial" panose="020B0604020202020204" pitchFamily="34" charset="0"/>
-              <a:buChar char="•"/>
-              <a:defRPr sz="2000" kern="1200">
-                <a:solidFill>
-                  <a:schemeClr val="tx1"/>
-                </a:solidFill>
-                <a:latin typeface="+mn-lt"/>
-                <a:ea typeface="+mn-ea"/>
-                <a:cs typeface="+mn-cs"/>
-              </a:defRPr>
-            </a:lvl3pPr>
-            <a:lvl4pPr marL="1600200" indent="-228600" algn="r" defTabSz="914400" rtl="1" eaLnBrk="1" latinLnBrk="0" hangingPunct="1">
-              <a:lnSpc>
-                <a:spcPct val="90000"/>
-              </a:lnSpc>
-              <a:spcBef>
-                <a:spcPts val="500"/>
-              </a:spcBef>
-              <a:buFont typeface="Arial" panose="020B0604020202020204" pitchFamily="34" charset="0"/>
-              <a:buChar char="•"/>
-              <a:defRPr sz="1800" kern="1200">
-                <a:solidFill>
-                  <a:schemeClr val="tx1"/>
-                </a:solidFill>
-                <a:latin typeface="+mn-lt"/>
-                <a:ea typeface="+mn-ea"/>
-                <a:cs typeface="+mn-cs"/>
-              </a:defRPr>
-            </a:lvl4pPr>
-            <a:lvl5pPr marL="2057400" indent="-228600" algn="r" defTabSz="914400" rtl="1" eaLnBrk="1" latinLnBrk="0" hangingPunct="1">
-              <a:lnSpc>
-                <a:spcPct val="90000"/>
-              </a:lnSpc>
-              <a:spcBef>
-                <a:spcPts val="500"/>
-              </a:spcBef>
-              <a:buFont typeface="Arial" panose="020B0604020202020204" pitchFamily="34" charset="0"/>
-              <a:buChar char="•"/>
-              <a:defRPr sz="1800" kern="1200">
-                <a:solidFill>
-                  <a:schemeClr val="tx1"/>
-                </a:solidFill>
-                <a:latin typeface="+mn-lt"/>
-                <a:ea typeface="+mn-ea"/>
-                <a:cs typeface="+mn-cs"/>
-              </a:defRPr>
-            </a:lvl5pPr>
-            <a:lvl6pPr marL="2514600" indent="-228600" algn="r" defTabSz="914400" rtl="1" eaLnBrk="1" latinLnBrk="0" hangingPunct="1">
-              <a:lnSpc>
-                <a:spcPct val="90000"/>
-              </a:lnSpc>
-              <a:spcBef>
-                <a:spcPts val="500"/>
-              </a:spcBef>
-              <a:buFont typeface="Arial" panose="020B0604020202020204" pitchFamily="34" charset="0"/>
-              <a:buChar char="•"/>
-              <a:defRPr sz="1800" kern="1200">
-                <a:solidFill>
-                  <a:schemeClr val="tx1"/>
-                </a:solidFill>
-                <a:latin typeface="+mn-lt"/>
-                <a:ea typeface="+mn-ea"/>
-                <a:cs typeface="+mn-cs"/>
-              </a:defRPr>
-            </a:lvl6pPr>
-            <a:lvl7pPr marL="2971800" indent="-228600" algn="r" defTabSz="914400" rtl="1" eaLnBrk="1" latinLnBrk="0" hangingPunct="1">
-              <a:lnSpc>
-                <a:spcPct val="90000"/>
-              </a:lnSpc>
-              <a:spcBef>
-                <a:spcPts val="500"/>
-              </a:spcBef>
-              <a:buFont typeface="Arial" panose="020B0604020202020204" pitchFamily="34" charset="0"/>
-              <a:buChar char="•"/>
-              <a:defRPr sz="1800" kern="1200">
-                <a:solidFill>
-                  <a:schemeClr val="tx1"/>
-                </a:solidFill>
-                <a:latin typeface="+mn-lt"/>
-                <a:ea typeface="+mn-ea"/>
-                <a:cs typeface="+mn-cs"/>
-              </a:defRPr>
-            </a:lvl7pPr>
-            <a:lvl8pPr marL="3429000" indent="-228600" algn="r" defTabSz="914400" rtl="1" eaLnBrk="1" latinLnBrk="0" hangingPunct="1">
-              <a:lnSpc>
-                <a:spcPct val="90000"/>
-              </a:lnSpc>
-              <a:spcBef>
-                <a:spcPts val="500"/>
-              </a:spcBef>
-              <a:buFont typeface="Arial" panose="020B0604020202020204" pitchFamily="34" charset="0"/>
-              <a:buChar char="•"/>
-              <a:defRPr sz="1800" kern="1200">
-                <a:solidFill>
-                  <a:schemeClr val="tx1"/>
-                </a:solidFill>
-                <a:latin typeface="+mn-lt"/>
-                <a:ea typeface="+mn-ea"/>
-                <a:cs typeface="+mn-cs"/>
-              </a:defRPr>
-            </a:lvl8pPr>
-            <a:lvl9pPr marL="3886200" indent="-228600" algn="r" defTabSz="914400" rtl="1" eaLnBrk="1" latinLnBrk="0" hangingPunct="1">
-              <a:lnSpc>
-                <a:spcPct val="90000"/>
-              </a:lnSpc>
-              <a:spcBef>
-                <a:spcPts val="500"/>
-              </a:spcBef>
-              <a:buFont typeface="Arial" panose="020B0604020202020204" pitchFamily="34" charset="0"/>
-              <a:buChar char="•"/>
-              <a:defRPr sz="1800" kern="1200">
-                <a:solidFill>
-                  <a:schemeClr val="tx1"/>
-                </a:solidFill>
-                <a:latin typeface="+mn-lt"/>
-                <a:ea typeface="+mn-ea"/>
-                <a:cs typeface="+mn-cs"/>
-              </a:defRPr>
-            </a:lvl9pPr>
           </a:lstStyle>
           <a:p>
-            <a:r>
-              <a:rPr lang="he-IL" sz="2200" b="1" dirty="0" smtClean="0">
-                <a:latin typeface="Calibri Light" panose="020F0302020204030204" pitchFamily="34" charset="0"/>
-                <a:cs typeface="Calibri Light" panose="020F0302020204030204" pitchFamily="34" charset="0"/>
-              </a:rPr>
-              <a:t>פיתוח מודול </a:t>
-            </a:r>
-            <a:r>
-              <a:rPr lang="he-IL" sz="2200" b="1" dirty="0" smtClean="0">
-                <a:latin typeface="Calibri Light" panose="020F0302020204030204" pitchFamily="34" charset="0"/>
-                <a:cs typeface="Calibri Light" panose="020F0302020204030204" pitchFamily="34" charset="0"/>
-              </a:rPr>
-              <a:t>הניסויים:</a:t>
-            </a:r>
-          </a:p>
-          <a:p>
-            <a:pPr lvl="1"/>
-            <a:r>
-              <a:rPr lang="he-IL" sz="1800" b="1" dirty="0" smtClean="0">
-                <a:latin typeface="Calibri Light" panose="020F0302020204030204" pitchFamily="34" charset="0"/>
-                <a:cs typeface="Calibri Light" panose="020F0302020204030204" pitchFamily="34" charset="0"/>
-              </a:rPr>
-              <a:t>קבלת הקריטריונים לפיהם נחליט האם הטסה עברה בהצלחה או נכשלה.</a:t>
-            </a:r>
-          </a:p>
-          <a:p>
-            <a:pPr lvl="1"/>
-            <a:r>
-              <a:rPr lang="he-IL" sz="1800" b="1" dirty="0" smtClean="0">
-                <a:latin typeface="Calibri Light" panose="020F0302020204030204" pitchFamily="34" charset="0"/>
-                <a:cs typeface="Calibri Light" panose="020F0302020204030204" pitchFamily="34" charset="0"/>
-              </a:rPr>
-              <a:t>מימוש כלי שיבצע ניתוח אוטומטי האם הטיסה נכשלה בעזרת קבצי הלוג, והקריטריונים הנ"ל.</a:t>
-            </a:r>
-          </a:p>
-          <a:p>
-            <a:pPr lvl="1"/>
-            <a:r>
-              <a:rPr lang="he-IL" sz="1800" b="1" dirty="0" smtClean="0">
-                <a:latin typeface="Calibri Light" panose="020F0302020204030204" pitchFamily="34" charset="0"/>
-                <a:cs typeface="Calibri Light" panose="020F0302020204030204" pitchFamily="34" charset="0"/>
-              </a:rPr>
-              <a:t>יצירת מסך שליפת לוגים ע"י המשתמש בצורה נוחה.</a:t>
-            </a:r>
-            <a:endParaRPr lang="he-IL" sz="1800" b="1" dirty="0" smtClean="0">
+            <a:pPr algn="ctr"/>
+            <a:r>
+              <a:rPr lang="he-IL" sz="3500" b="1" dirty="0" smtClean="0">
+                <a:solidFill>
+                  <a:schemeClr val="accent1">
+                    <a:lumMod val="50000"/>
+                  </a:schemeClr>
+                </a:solidFill>
+                <a:latin typeface="Calibri Light" panose="020F0302020204030204" pitchFamily="34" charset="0"/>
+                <a:cs typeface="Calibri Light" panose="020F0302020204030204" pitchFamily="34" charset="0"/>
+              </a:rPr>
+              <a:t>מסך הזנת נתונים לקבלת </a:t>
+            </a:r>
+            <a:r>
+              <a:rPr lang="en-US" sz="3500" b="1" dirty="0" smtClean="0">
+                <a:solidFill>
+                  <a:schemeClr val="accent1">
+                    <a:lumMod val="50000"/>
+                  </a:schemeClr>
+                </a:solidFill>
+                <a:latin typeface="Calibri Light" panose="020F0302020204030204" pitchFamily="34" charset="0"/>
+                <a:cs typeface="Calibri Light" panose="020F0302020204030204" pitchFamily="34" charset="0"/>
+              </a:rPr>
+              <a:t>Setup</a:t>
+            </a:r>
+            <a:endParaRPr lang="he-IL" sz="3500" b="1" dirty="0">
+              <a:solidFill>
+                <a:schemeClr val="accent1">
+                  <a:lumMod val="50000"/>
+                </a:schemeClr>
+              </a:solidFill>
               <a:latin typeface="Calibri Light" panose="020F0302020204030204" pitchFamily="34" charset="0"/>
               <a:cs typeface="Calibri Light" panose="020F0302020204030204" pitchFamily="34" charset="0"/>
             </a:endParaRPr>
           </a:p>
-          <a:p>
-            <a:pPr marL="0" indent="0">
-              <a:buNone/>
-            </a:pPr>
-            <a:endParaRPr lang="he-IL" sz="2200" b="1" dirty="0" smtClean="0">
-              <a:latin typeface="Calibri Light" panose="020F0302020204030204" pitchFamily="34" charset="0"/>
-              <a:cs typeface="Calibri Light" panose="020F0302020204030204" pitchFamily="34" charset="0"/>
-            </a:endParaRPr>
-          </a:p>
-          <a:p>
-            <a:r>
-              <a:rPr lang="he-IL" sz="2200" b="1" dirty="0" smtClean="0">
-                <a:latin typeface="Calibri Light" panose="020F0302020204030204" pitchFamily="34" charset="0"/>
-                <a:cs typeface="Calibri Light" panose="020F0302020204030204" pitchFamily="34" charset="0"/>
-              </a:rPr>
-              <a:t>פיתוח האלגוריתם ליצירת </a:t>
-            </a:r>
-            <a:r>
-              <a:rPr lang="en-US" sz="2200" b="1" dirty="0" smtClean="0">
-                <a:latin typeface="Calibri Light" panose="020F0302020204030204" pitchFamily="34" charset="0"/>
-                <a:cs typeface="Calibri Light" panose="020F0302020204030204" pitchFamily="34" charset="0"/>
-              </a:rPr>
-              <a:t>setup</a:t>
-            </a:r>
-            <a:r>
-              <a:rPr lang="he-IL" sz="2200" b="1" dirty="0" smtClean="0">
-                <a:latin typeface="Calibri Light" panose="020F0302020204030204" pitchFamily="34" charset="0"/>
-                <a:cs typeface="Calibri Light" panose="020F0302020204030204" pitchFamily="34" charset="0"/>
-              </a:rPr>
-              <a:t> של </a:t>
-            </a:r>
-            <a:r>
-              <a:rPr lang="he-IL" sz="2200" b="1" dirty="0" err="1" smtClean="0">
-                <a:latin typeface="Calibri Light" panose="020F0302020204030204" pitchFamily="34" charset="0"/>
-                <a:cs typeface="Calibri Light" panose="020F0302020204030204" pitchFamily="34" charset="0"/>
-              </a:rPr>
-              <a:t>רחפן</a:t>
-            </a:r>
-            <a:r>
-              <a:rPr lang="he-IL" sz="2200" b="1" dirty="0" smtClean="0">
-                <a:latin typeface="Calibri Light" panose="020F0302020204030204" pitchFamily="34" charset="0"/>
-                <a:cs typeface="Calibri Light" panose="020F0302020204030204" pitchFamily="34" charset="0"/>
-              </a:rPr>
-              <a:t>:</a:t>
-            </a:r>
-          </a:p>
-          <a:p>
-            <a:pPr lvl="1"/>
-            <a:r>
-              <a:rPr lang="he-IL" sz="1800" b="1" dirty="0" smtClean="0">
-                <a:latin typeface="Calibri Light" panose="020F0302020204030204" pitchFamily="34" charset="0"/>
-                <a:cs typeface="Calibri Light" panose="020F0302020204030204" pitchFamily="34" charset="0"/>
-              </a:rPr>
-              <a:t>הוספת קריטריונים בצורה </a:t>
-            </a:r>
-            <a:r>
-              <a:rPr lang="he-IL" sz="1800" b="1" dirty="0" err="1" smtClean="0">
-                <a:latin typeface="Calibri Light" panose="020F0302020204030204" pitchFamily="34" charset="0"/>
-                <a:cs typeface="Calibri Light" panose="020F0302020204030204" pitchFamily="34" charset="0"/>
-              </a:rPr>
-              <a:t>קונפיגורבילית</a:t>
-            </a:r>
-            <a:r>
-              <a:rPr lang="he-IL" sz="1800" b="1" dirty="0" smtClean="0">
-                <a:latin typeface="Calibri Light" panose="020F0302020204030204" pitchFamily="34" charset="0"/>
-                <a:cs typeface="Calibri Light" panose="020F0302020204030204" pitchFamily="34" charset="0"/>
-              </a:rPr>
-              <a:t> ע"י המשתמש.</a:t>
-            </a:r>
-          </a:p>
-          <a:p>
-            <a:pPr lvl="1"/>
-            <a:r>
-              <a:rPr lang="he-IL" sz="1800" b="1" dirty="0" smtClean="0">
-                <a:latin typeface="Calibri Light" panose="020F0302020204030204" pitchFamily="34" charset="0"/>
-                <a:cs typeface="Calibri Light" panose="020F0302020204030204" pitchFamily="34" charset="0"/>
-              </a:rPr>
-              <a:t>שינוי מספר ההצעות המתקבלות בצורה </a:t>
-            </a:r>
-            <a:r>
-              <a:rPr lang="he-IL" sz="1800" b="1" dirty="0" err="1" smtClean="0">
-                <a:latin typeface="Calibri Light" panose="020F0302020204030204" pitchFamily="34" charset="0"/>
-                <a:cs typeface="Calibri Light" panose="020F0302020204030204" pitchFamily="34" charset="0"/>
-              </a:rPr>
-              <a:t>קונפיגורבילית</a:t>
-            </a:r>
-            <a:r>
-              <a:rPr lang="he-IL" sz="1800" b="1" dirty="0" smtClean="0">
-                <a:latin typeface="Calibri Light" panose="020F0302020204030204" pitchFamily="34" charset="0"/>
-                <a:cs typeface="Calibri Light" panose="020F0302020204030204" pitchFamily="34" charset="0"/>
-              </a:rPr>
-              <a:t> ע"י המשתמש.</a:t>
-            </a:r>
-          </a:p>
-          <a:p>
-            <a:pPr lvl="1"/>
-            <a:r>
-              <a:rPr lang="he-IL" sz="1800" b="1" dirty="0" smtClean="0">
-                <a:latin typeface="Calibri Light" panose="020F0302020204030204" pitchFamily="34" charset="0"/>
-                <a:cs typeface="Calibri Light" panose="020F0302020204030204" pitchFamily="34" charset="0"/>
-              </a:rPr>
-              <a:t>פיתוח האלגוריתם עצמו- ימומש רק בסביבת רפאל.</a:t>
-            </a:r>
-            <a:endParaRPr lang="he-IL" sz="1800" b="1" dirty="0" smtClean="0">
-              <a:latin typeface="Calibri Light" panose="020F0302020204030204" pitchFamily="34" charset="0"/>
-              <a:cs typeface="Calibri Light" panose="020F0302020204030204" pitchFamily="34" charset="0"/>
-            </a:endParaRPr>
-          </a:p>
-          <a:p>
-            <a:pPr marL="0" indent="0">
-              <a:buNone/>
-            </a:pPr>
-            <a:endParaRPr lang="he-IL" sz="2200" b="1" dirty="0">
-              <a:latin typeface="Calibri Light" panose="020F0302020204030204" pitchFamily="34" charset="0"/>
-              <a:cs typeface="Calibri Light" panose="020F0302020204030204" pitchFamily="34" charset="0"/>
-            </a:endParaRPr>
-          </a:p>
-          <a:p>
-            <a:r>
-              <a:rPr lang="he-IL" sz="2200" b="1" dirty="0" smtClean="0">
-                <a:latin typeface="Calibri Light" panose="020F0302020204030204" pitchFamily="34" charset="0"/>
-                <a:cs typeface="Calibri Light" panose="020F0302020204030204" pitchFamily="34" charset="0"/>
-              </a:rPr>
-              <a:t>פיתוח מודול ניהול ה</a:t>
-            </a:r>
-            <a:r>
-              <a:rPr lang="en-US" sz="2200" b="1" dirty="0" err="1" smtClean="0">
-                <a:latin typeface="Calibri Light" panose="020F0302020204030204" pitchFamily="34" charset="0"/>
-                <a:cs typeface="Calibri Light" panose="020F0302020204030204" pitchFamily="34" charset="0"/>
-              </a:rPr>
-              <a:t>DataBase</a:t>
-            </a:r>
-            <a:r>
-              <a:rPr lang="he-IL" sz="2200" b="1" dirty="0" smtClean="0">
-                <a:latin typeface="Calibri Light" panose="020F0302020204030204" pitchFamily="34" charset="0"/>
-                <a:cs typeface="Calibri Light" panose="020F0302020204030204" pitchFamily="34" charset="0"/>
-              </a:rPr>
-              <a:t>, הוספה ועדכון של נתונים</a:t>
-            </a:r>
-          </a:p>
-          <a:p>
-            <a:pPr marL="0" indent="0">
-              <a:buNone/>
-            </a:pPr>
-            <a:endParaRPr lang="he-IL" sz="2200" b="1" dirty="0" smtClean="0">
-              <a:latin typeface="Calibri Light" panose="020F0302020204030204" pitchFamily="34" charset="0"/>
-              <a:cs typeface="Calibri Light" panose="020F0302020204030204" pitchFamily="34" charset="0"/>
-            </a:endParaRPr>
-          </a:p>
-          <a:p>
-            <a:pPr marL="0" indent="0">
-              <a:buNone/>
-            </a:pPr>
-            <a:r>
-              <a:rPr lang="he-IL" sz="2200" b="1" dirty="0" smtClean="0">
-                <a:latin typeface="Calibri Light" panose="020F0302020204030204" pitchFamily="34" charset="0"/>
-                <a:cs typeface="Calibri Light" panose="020F0302020204030204" pitchFamily="34" charset="0"/>
-              </a:rPr>
-              <a:t> </a:t>
-            </a:r>
-          </a:p>
-          <a:p>
-            <a:endParaRPr lang="he-IL" sz="2200" b="1" dirty="0">
-              <a:latin typeface="David" panose="020E0502060401010101" pitchFamily="34" charset="-79"/>
-              <a:cs typeface="David" panose="020E0502060401010101" pitchFamily="34" charset="-79"/>
-            </a:endParaRPr>
-          </a:p>
         </p:txBody>
       </p:sp>
+      <p:pic>
+        <p:nvPicPr>
+          <p:cNvPr id="2" name="תמונה 1"/>
+          <p:cNvPicPr>
+            <a:picLocks noChangeAspect="1"/>
+          </p:cNvPicPr>
+          <p:nvPr/>
+        </p:nvPicPr>
+        <p:blipFill>
+          <a:blip r:embed="rId2"/>
+          <a:stretch>
+            <a:fillRect/>
+          </a:stretch>
+        </p:blipFill>
+        <p:spPr>
+          <a:xfrm>
+            <a:off x="0" y="2176795"/>
+            <a:ext cx="12192000" cy="5469392"/>
+          </a:xfrm>
+          <a:prstGeom prst="rect">
+            <a:avLst/>
+          </a:prstGeom>
+        </p:spPr>
+      </p:pic>
     </p:spTree>
     <p:extLst>
       <p:ext uri="{BB962C8B-B14F-4D97-AF65-F5344CB8AC3E}">
-        <p14:creationId xmlns:p14="http://schemas.microsoft.com/office/powerpoint/2010/main" val="3312958311"/>
+        <p14:creationId xmlns:p14="http://schemas.microsoft.com/office/powerpoint/2010/main" val="2182647001"/>
       </p:ext>
     </p:extLst>
   </p:cSld>
@@ -6590,7 +7052,7 @@
                 <a:latin typeface="Calibri Light" panose="020F0302020204030204" pitchFamily="34" charset="0"/>
                 <a:cs typeface="Calibri Light" panose="020F0302020204030204" pitchFamily="34" charset="0"/>
               </a:rPr>
-              <a:t>מסקנות </a:t>
+              <a:t>מסכי המערכת</a:t>
             </a:r>
             <a:endParaRPr lang="he-IL" sz="7000" b="1" dirty="0">
               <a:solidFill>
@@ -6606,7 +7068,7 @@
       </p:sp>
       <p:sp>
         <p:nvSpPr>
-          <p:cNvPr id="3" name="מציין מיקום תוכן 2"/>
+          <p:cNvPr id="7" name="כותרת 1"/>
           <p:cNvSpPr txBox="1">
             <a:spLocks/>
           </p:cNvSpPr>
@@ -6614,337 +7076,102 @@
         </p:nvSpPr>
         <p:spPr>
           <a:xfrm>
-            <a:off x="1625600" y="1601418"/>
-            <a:ext cx="9842500" cy="3427808"/>
+            <a:off x="9652000" y="1229241"/>
+            <a:ext cx="2400300" cy="744354"/>
           </a:xfrm>
           <a:prstGeom prst="rect">
             <a:avLst/>
           </a:prstGeom>
         </p:spPr>
         <p:txBody>
-          <a:bodyPr vert="horz" lIns="91440" tIns="45720" rIns="91440" bIns="45720" rtlCol="1">
-            <a:noAutofit/>
+          <a:bodyPr vert="horz" lIns="91440" tIns="45720" rIns="91440" bIns="45720" rtlCol="1" anchor="ctr">
+            <a:normAutofit/>
           </a:bodyPr>
           <a:lstStyle>
-            <a:lvl1pPr marL="228600" indent="-228600" algn="r" defTabSz="914400" rtl="1" eaLnBrk="1" latinLnBrk="0" hangingPunct="1">
-              <a:lnSpc>
-                <a:spcPct val="90000"/>
-              </a:lnSpc>
-              <a:spcBef>
-                <a:spcPts val="1000"/>
-              </a:spcBef>
-              <a:buFont typeface="Arial" panose="020B0604020202020204" pitchFamily="34" charset="0"/>
-              <a:buChar char="•"/>
-              <a:defRPr sz="2800" kern="1200">
-                <a:solidFill>
-                  <a:schemeClr val="tx1"/>
-                </a:solidFill>
-                <a:latin typeface="+mn-lt"/>
-                <a:ea typeface="+mn-ea"/>
-                <a:cs typeface="+mn-cs"/>
+            <a:lvl1pPr algn="r" defTabSz="914400" rtl="1" eaLnBrk="1" latinLnBrk="0" hangingPunct="1">
+              <a:lnSpc>
+                <a:spcPct val="90000"/>
+              </a:lnSpc>
+              <a:spcBef>
+                <a:spcPct val="0"/>
+              </a:spcBef>
+              <a:buNone/>
+              <a:defRPr sz="4400" kern="1200">
+                <a:solidFill>
+                  <a:schemeClr val="tx1"/>
+                </a:solidFill>
+                <a:latin typeface="+mj-lt"/>
+                <a:ea typeface="+mj-ea"/>
+                <a:cs typeface="+mj-cs"/>
               </a:defRPr>
             </a:lvl1pPr>
-            <a:lvl2pPr marL="685800" indent="-228600" algn="r" defTabSz="914400" rtl="1" eaLnBrk="1" latinLnBrk="0" hangingPunct="1">
-              <a:lnSpc>
-                <a:spcPct val="90000"/>
-              </a:lnSpc>
-              <a:spcBef>
-                <a:spcPts val="500"/>
-              </a:spcBef>
-              <a:buFont typeface="Arial" panose="020B0604020202020204" pitchFamily="34" charset="0"/>
-              <a:buChar char="•"/>
-              <a:defRPr sz="2400" kern="1200">
-                <a:solidFill>
-                  <a:schemeClr val="tx1"/>
-                </a:solidFill>
-                <a:latin typeface="+mn-lt"/>
-                <a:ea typeface="+mn-ea"/>
-                <a:cs typeface="+mn-cs"/>
-              </a:defRPr>
-            </a:lvl2pPr>
-            <a:lvl3pPr marL="1143000" indent="-228600" algn="r" defTabSz="914400" rtl="1" eaLnBrk="1" latinLnBrk="0" hangingPunct="1">
-              <a:lnSpc>
-                <a:spcPct val="90000"/>
-              </a:lnSpc>
-              <a:spcBef>
-                <a:spcPts val="500"/>
-              </a:spcBef>
-              <a:buFont typeface="Arial" panose="020B0604020202020204" pitchFamily="34" charset="0"/>
-              <a:buChar char="•"/>
-              <a:defRPr sz="2000" kern="1200">
-                <a:solidFill>
-                  <a:schemeClr val="tx1"/>
-                </a:solidFill>
-                <a:latin typeface="+mn-lt"/>
-                <a:ea typeface="+mn-ea"/>
-                <a:cs typeface="+mn-cs"/>
-              </a:defRPr>
-            </a:lvl3pPr>
-            <a:lvl4pPr marL="1600200" indent="-228600" algn="r" defTabSz="914400" rtl="1" eaLnBrk="1" latinLnBrk="0" hangingPunct="1">
-              <a:lnSpc>
-                <a:spcPct val="90000"/>
-              </a:lnSpc>
-              <a:spcBef>
-                <a:spcPts val="500"/>
-              </a:spcBef>
-              <a:buFont typeface="Arial" panose="020B0604020202020204" pitchFamily="34" charset="0"/>
-              <a:buChar char="•"/>
-              <a:defRPr sz="1800" kern="1200">
-                <a:solidFill>
-                  <a:schemeClr val="tx1"/>
-                </a:solidFill>
-                <a:latin typeface="+mn-lt"/>
-                <a:ea typeface="+mn-ea"/>
-                <a:cs typeface="+mn-cs"/>
-              </a:defRPr>
-            </a:lvl4pPr>
-            <a:lvl5pPr marL="2057400" indent="-228600" algn="r" defTabSz="914400" rtl="1" eaLnBrk="1" latinLnBrk="0" hangingPunct="1">
-              <a:lnSpc>
-                <a:spcPct val="90000"/>
-              </a:lnSpc>
-              <a:spcBef>
-                <a:spcPts val="500"/>
-              </a:spcBef>
-              <a:buFont typeface="Arial" panose="020B0604020202020204" pitchFamily="34" charset="0"/>
-              <a:buChar char="•"/>
-              <a:defRPr sz="1800" kern="1200">
-                <a:solidFill>
-                  <a:schemeClr val="tx1"/>
-                </a:solidFill>
-                <a:latin typeface="+mn-lt"/>
-                <a:ea typeface="+mn-ea"/>
-                <a:cs typeface="+mn-cs"/>
-              </a:defRPr>
-            </a:lvl5pPr>
-            <a:lvl6pPr marL="2514600" indent="-228600" algn="r" defTabSz="914400" rtl="1" eaLnBrk="1" latinLnBrk="0" hangingPunct="1">
-              <a:lnSpc>
-                <a:spcPct val="90000"/>
-              </a:lnSpc>
-              <a:spcBef>
-                <a:spcPts val="500"/>
-              </a:spcBef>
-              <a:buFont typeface="Arial" panose="020B0604020202020204" pitchFamily="34" charset="0"/>
-              <a:buChar char="•"/>
-              <a:defRPr sz="1800" kern="1200">
-                <a:solidFill>
-                  <a:schemeClr val="tx1"/>
-                </a:solidFill>
-                <a:latin typeface="+mn-lt"/>
-                <a:ea typeface="+mn-ea"/>
-                <a:cs typeface="+mn-cs"/>
-              </a:defRPr>
-            </a:lvl6pPr>
-            <a:lvl7pPr marL="2971800" indent="-228600" algn="r" defTabSz="914400" rtl="1" eaLnBrk="1" latinLnBrk="0" hangingPunct="1">
-              <a:lnSpc>
-                <a:spcPct val="90000"/>
-              </a:lnSpc>
-              <a:spcBef>
-                <a:spcPts val="500"/>
-              </a:spcBef>
-              <a:buFont typeface="Arial" panose="020B0604020202020204" pitchFamily="34" charset="0"/>
-              <a:buChar char="•"/>
-              <a:defRPr sz="1800" kern="1200">
-                <a:solidFill>
-                  <a:schemeClr val="tx1"/>
-                </a:solidFill>
-                <a:latin typeface="+mn-lt"/>
-                <a:ea typeface="+mn-ea"/>
-                <a:cs typeface="+mn-cs"/>
-              </a:defRPr>
-            </a:lvl7pPr>
-            <a:lvl8pPr marL="3429000" indent="-228600" algn="r" defTabSz="914400" rtl="1" eaLnBrk="1" latinLnBrk="0" hangingPunct="1">
-              <a:lnSpc>
-                <a:spcPct val="90000"/>
-              </a:lnSpc>
-              <a:spcBef>
-                <a:spcPts val="500"/>
-              </a:spcBef>
-              <a:buFont typeface="Arial" panose="020B0604020202020204" pitchFamily="34" charset="0"/>
-              <a:buChar char="•"/>
-              <a:defRPr sz="1800" kern="1200">
-                <a:solidFill>
-                  <a:schemeClr val="tx1"/>
-                </a:solidFill>
-                <a:latin typeface="+mn-lt"/>
-                <a:ea typeface="+mn-ea"/>
-                <a:cs typeface="+mn-cs"/>
-              </a:defRPr>
-            </a:lvl8pPr>
-            <a:lvl9pPr marL="3886200" indent="-228600" algn="r" defTabSz="914400" rtl="1" eaLnBrk="1" latinLnBrk="0" hangingPunct="1">
-              <a:lnSpc>
-                <a:spcPct val="90000"/>
-              </a:lnSpc>
-              <a:spcBef>
-                <a:spcPts val="500"/>
-              </a:spcBef>
-              <a:buFont typeface="Arial" panose="020B0604020202020204" pitchFamily="34" charset="0"/>
-              <a:buChar char="•"/>
-              <a:defRPr sz="1800" kern="1200">
-                <a:solidFill>
-                  <a:schemeClr val="tx1"/>
-                </a:solidFill>
-                <a:latin typeface="+mn-lt"/>
-                <a:ea typeface="+mn-ea"/>
-                <a:cs typeface="+mn-cs"/>
-              </a:defRPr>
-            </a:lvl9pPr>
           </a:lstStyle>
           <a:p>
-            <a:r>
-              <a:rPr lang="he-IL" sz="2200" b="1" dirty="0" smtClean="0">
-                <a:latin typeface="Calibri Light" panose="020F0302020204030204" pitchFamily="34" charset="0"/>
-                <a:cs typeface="Calibri Light" panose="020F0302020204030204" pitchFamily="34" charset="0"/>
-              </a:rPr>
-              <a:t>העבודה מול הלקוח עד כה בוצעה בצורה מאוד מקצועית תוך התעניינות רבה מאוד של הלקוח. בשלב זה המודול המרכזי במערכת- ניטור טיסות בזמן אמת, פעיל ברפאל ונמצא בשימוש יומיומי ע"י צוותי הפיתוח.</a:t>
-            </a:r>
-          </a:p>
-          <a:p>
-            <a:pPr marL="0" indent="0">
-              <a:buNone/>
-            </a:pPr>
-            <a:endParaRPr lang="he-IL" sz="2200" b="1" dirty="0">
+            <a:pPr algn="ctr"/>
+            <a:r>
+              <a:rPr lang="he-IL" sz="3500" b="1" dirty="0" smtClean="0">
+                <a:solidFill>
+                  <a:schemeClr val="accent1">
+                    <a:lumMod val="50000"/>
+                  </a:schemeClr>
+                </a:solidFill>
+                <a:latin typeface="Calibri Light" panose="020F0302020204030204" pitchFamily="34" charset="0"/>
+                <a:cs typeface="Calibri Light" panose="020F0302020204030204" pitchFamily="34" charset="0"/>
+              </a:rPr>
+              <a:t>מסך </a:t>
+            </a:r>
+            <a:r>
+              <a:rPr lang="en-US" sz="3500" b="1" dirty="0" smtClean="0">
+                <a:solidFill>
+                  <a:schemeClr val="accent1">
+                    <a:lumMod val="50000"/>
+                  </a:schemeClr>
+                </a:solidFill>
+                <a:latin typeface="Calibri Light" panose="020F0302020204030204" pitchFamily="34" charset="0"/>
+                <a:cs typeface="Calibri Light" panose="020F0302020204030204" pitchFamily="34" charset="0"/>
+              </a:rPr>
+              <a:t>Setup</a:t>
+            </a:r>
+            <a:endParaRPr lang="he-IL" sz="3500" b="1" dirty="0">
+              <a:solidFill>
+                <a:schemeClr val="accent1">
+                  <a:lumMod val="50000"/>
+                </a:schemeClr>
+              </a:solidFill>
               <a:latin typeface="Calibri Light" panose="020F0302020204030204" pitchFamily="34" charset="0"/>
               <a:cs typeface="Calibri Light" panose="020F0302020204030204" pitchFamily="34" charset="0"/>
             </a:endParaRPr>
           </a:p>
-          <a:p>
-            <a:pPr marL="0" indent="0">
-              <a:buNone/>
-            </a:pPr>
-            <a:endParaRPr lang="he-IL" sz="2200" b="1" dirty="0" smtClean="0">
-              <a:latin typeface="Calibri Light" panose="020F0302020204030204" pitchFamily="34" charset="0"/>
-              <a:cs typeface="Calibri Light" panose="020F0302020204030204" pitchFamily="34" charset="0"/>
-            </a:endParaRPr>
-          </a:p>
-          <a:p>
-            <a:r>
-              <a:rPr lang="he-IL" sz="2200" b="1" dirty="0" smtClean="0">
-                <a:latin typeface="Calibri Light" panose="020F0302020204030204" pitchFamily="34" charset="0"/>
-                <a:cs typeface="Calibri Light" panose="020F0302020204030204" pitchFamily="34" charset="0"/>
-              </a:rPr>
-              <a:t>למדנו לבצע חקר מקדים על היכולות של הטכנולוגיות בהן אנו משתמשים- מה </a:t>
-            </a:r>
-            <a:r>
-              <a:rPr lang="en-US" sz="2200" b="1" dirty="0" smtClean="0">
-                <a:latin typeface="Calibri Light" panose="020F0302020204030204" pitchFamily="34" charset="0"/>
-                <a:cs typeface="Calibri Light" panose="020F0302020204030204" pitchFamily="34" charset="0"/>
-              </a:rPr>
-              <a:t>JS</a:t>
-            </a:r>
-            <a:r>
-              <a:rPr lang="he-IL" sz="2200" b="1" dirty="0" smtClean="0">
-                <a:latin typeface="Calibri Light" panose="020F0302020204030204" pitchFamily="34" charset="0"/>
-                <a:cs typeface="Calibri Light" panose="020F0302020204030204" pitchFamily="34" charset="0"/>
-              </a:rPr>
-              <a:t> מסוגל לעשות ומה לא. כיצד </a:t>
-            </a:r>
-            <a:r>
-              <a:rPr lang="en-US" sz="2200" b="1" dirty="0" smtClean="0">
-                <a:latin typeface="Calibri Light" panose="020F0302020204030204" pitchFamily="34" charset="0"/>
-                <a:cs typeface="Calibri Light" panose="020F0302020204030204" pitchFamily="34" charset="0"/>
-              </a:rPr>
-              <a:t>Django</a:t>
-            </a:r>
-            <a:r>
-              <a:rPr lang="he-IL" sz="2200" b="1" dirty="0" smtClean="0">
-                <a:latin typeface="Calibri Light" panose="020F0302020204030204" pitchFamily="34" charset="0"/>
-                <a:cs typeface="Calibri Light" panose="020F0302020204030204" pitchFamily="34" charset="0"/>
-              </a:rPr>
-              <a:t> פתר לנו הרבה בעיות שהיה קשה לנו להתמודד עימם בלעדיו </a:t>
-            </a:r>
-            <a:r>
-              <a:rPr lang="he-IL" sz="2200" b="1" dirty="0" err="1" smtClean="0">
-                <a:latin typeface="Calibri Light" panose="020F0302020204030204" pitchFamily="34" charset="0"/>
-                <a:cs typeface="Calibri Light" panose="020F0302020204030204" pitchFamily="34" charset="0"/>
-              </a:rPr>
-              <a:t>וכו</a:t>
-            </a:r>
-            <a:r>
-              <a:rPr lang="he-IL" sz="2200" b="1" dirty="0" smtClean="0">
-                <a:latin typeface="Calibri Light" panose="020F0302020204030204" pitchFamily="34" charset="0"/>
-                <a:cs typeface="Calibri Light" panose="020F0302020204030204" pitchFamily="34" charset="0"/>
-              </a:rPr>
-              <a:t>'.</a:t>
-            </a:r>
-          </a:p>
-          <a:p>
-            <a:pPr marL="0" indent="0">
-              <a:buNone/>
-            </a:pPr>
-            <a:endParaRPr lang="he-IL" sz="2200" b="1" dirty="0">
-              <a:latin typeface="Calibri Light" panose="020F0302020204030204" pitchFamily="34" charset="0"/>
-              <a:cs typeface="Calibri Light" panose="020F0302020204030204" pitchFamily="34" charset="0"/>
-            </a:endParaRPr>
-          </a:p>
-          <a:p>
-            <a:pPr marL="0" indent="0">
-              <a:buNone/>
-            </a:pPr>
-            <a:endParaRPr lang="he-IL" sz="2200" b="1" dirty="0" smtClean="0">
-              <a:latin typeface="Calibri Light" panose="020F0302020204030204" pitchFamily="34" charset="0"/>
-              <a:cs typeface="Calibri Light" panose="020F0302020204030204" pitchFamily="34" charset="0"/>
-            </a:endParaRPr>
-          </a:p>
-          <a:p>
-            <a:r>
-              <a:rPr lang="he-IL" sz="2200" b="1" dirty="0" smtClean="0">
-                <a:latin typeface="Calibri Light" panose="020F0302020204030204" pitchFamily="34" charset="0"/>
-                <a:cs typeface="Calibri Light" panose="020F0302020204030204" pitchFamily="34" charset="0"/>
-              </a:rPr>
-              <a:t>שימוש בכלים סטנדרטים קיימים- למשל שימוש בלוגר המובנה של </a:t>
-            </a:r>
-            <a:r>
-              <a:rPr lang="he-IL" sz="2200" b="1" dirty="0" err="1" smtClean="0">
-                <a:latin typeface="Calibri Light" panose="020F0302020204030204" pitchFamily="34" charset="0"/>
-                <a:cs typeface="Calibri Light" panose="020F0302020204030204" pitchFamily="34" charset="0"/>
-              </a:rPr>
-              <a:t>פייתון</a:t>
-            </a:r>
-            <a:r>
-              <a:rPr lang="he-IL" sz="2200" b="1" dirty="0" smtClean="0">
-                <a:latin typeface="Calibri Light" panose="020F0302020204030204" pitchFamily="34" charset="0"/>
-                <a:cs typeface="Calibri Light" panose="020F0302020204030204" pitchFamily="34" charset="0"/>
-              </a:rPr>
-              <a:t> נתן לנו הרבה אפשרויות קונפיגורציה שמהן יהיה לנו קל יותר לנתח את הלוגים.</a:t>
-            </a:r>
-            <a:endParaRPr lang="he-IL" sz="1800" b="1" dirty="0" smtClean="0">
-              <a:latin typeface="Calibri Light" panose="020F0302020204030204" pitchFamily="34" charset="0"/>
-              <a:cs typeface="Calibri Light" panose="020F0302020204030204" pitchFamily="34" charset="0"/>
-            </a:endParaRPr>
-          </a:p>
-          <a:p>
-            <a:pPr marL="0" indent="0">
-              <a:buNone/>
-            </a:pPr>
-            <a:endParaRPr lang="he-IL" sz="2200" b="1" dirty="0" smtClean="0">
-              <a:latin typeface="Calibri Light" panose="020F0302020204030204" pitchFamily="34" charset="0"/>
-              <a:cs typeface="Calibri Light" panose="020F0302020204030204" pitchFamily="34" charset="0"/>
-            </a:endParaRPr>
-          </a:p>
-          <a:p>
-            <a:pPr marL="0" indent="0">
-              <a:buNone/>
-            </a:pPr>
-            <a:r>
-              <a:rPr lang="he-IL" sz="2200" b="1" dirty="0" smtClean="0">
-                <a:latin typeface="Calibri Light" panose="020F0302020204030204" pitchFamily="34" charset="0"/>
-                <a:cs typeface="Calibri Light" panose="020F0302020204030204" pitchFamily="34" charset="0"/>
-              </a:rPr>
-              <a:t> </a:t>
-            </a:r>
-          </a:p>
-          <a:p>
-            <a:endParaRPr lang="he-IL" sz="2200" b="1" dirty="0">
-              <a:latin typeface="David" panose="020E0502060401010101" pitchFamily="34" charset="-79"/>
-              <a:cs typeface="David" panose="020E0502060401010101" pitchFamily="34" charset="-79"/>
-            </a:endParaRPr>
-          </a:p>
         </p:txBody>
       </p:sp>
+      <p:pic>
+        <p:nvPicPr>
+          <p:cNvPr id="2" name="תמונה 1"/>
+          <p:cNvPicPr>
+            <a:picLocks noChangeAspect="1"/>
+          </p:cNvPicPr>
+          <p:nvPr/>
+        </p:nvPicPr>
+        <p:blipFill>
+          <a:blip r:embed="rId2"/>
+          <a:stretch>
+            <a:fillRect/>
+          </a:stretch>
+        </p:blipFill>
+        <p:spPr>
+          <a:xfrm>
+            <a:off x="0" y="1973595"/>
+            <a:ext cx="12192000" cy="5551555"/>
+          </a:xfrm>
+          <a:prstGeom prst="rect">
+            <a:avLst/>
+          </a:prstGeom>
+        </p:spPr>
+      </p:pic>
     </p:spTree>
     <p:extLst>
       <p:ext uri="{BB962C8B-B14F-4D97-AF65-F5344CB8AC3E}">
-        <p14:creationId xmlns:p14="http://schemas.microsoft.com/office/powerpoint/2010/main" val="1984015782"/>
+        <p14:creationId xmlns:p14="http://schemas.microsoft.com/office/powerpoint/2010/main" val="462376149"/>
       </p:ext>
     </p:extLst>
   </p:cSld>
@@ -7308,6 +7535,639 @@
 </file>
 
 <file path=ppt/slides/slide20.xml><?xml version="1.0" encoding="utf-8"?>
+<p:sld xmlns:a="http://schemas.openxmlformats.org/drawingml/2006/main" xmlns:r="http://schemas.openxmlformats.org/officeDocument/2006/relationships" xmlns:p="http://schemas.openxmlformats.org/presentationml/2006/main">
+  <p:cSld>
+    <p:spTree>
+      <p:nvGrpSpPr>
+        <p:cNvPr id="1" name=""/>
+        <p:cNvGrpSpPr/>
+        <p:nvPr/>
+      </p:nvGrpSpPr>
+      <p:grpSpPr>
+        <a:xfrm>
+          <a:off x="0" y="0"/>
+          <a:ext cx="0" cy="0"/>
+          <a:chOff x="0" y="0"/>
+          <a:chExt cx="0" cy="0"/>
+        </a:xfrm>
+      </p:grpSpPr>
+      <p:sp>
+        <p:nvSpPr>
+          <p:cNvPr id="6" name="כותרת 1"/>
+          <p:cNvSpPr txBox="1">
+            <a:spLocks/>
+          </p:cNvSpPr>
+          <p:nvPr/>
+        </p:nvSpPr>
+        <p:spPr>
+          <a:xfrm>
+            <a:off x="952500" y="275855"/>
+            <a:ext cx="10515600" cy="1325563"/>
+          </a:xfrm>
+          <a:prstGeom prst="rect">
+            <a:avLst/>
+          </a:prstGeom>
+        </p:spPr>
+        <p:txBody>
+          <a:bodyPr vert="horz" lIns="91440" tIns="45720" rIns="91440" bIns="45720" rtlCol="1" anchor="ctr">
+            <a:normAutofit/>
+          </a:bodyPr>
+          <a:lstStyle>
+            <a:lvl1pPr algn="r" defTabSz="914400" rtl="1" eaLnBrk="1" latinLnBrk="0" hangingPunct="1">
+              <a:lnSpc>
+                <a:spcPct val="90000"/>
+              </a:lnSpc>
+              <a:spcBef>
+                <a:spcPct val="0"/>
+              </a:spcBef>
+              <a:buNone/>
+              <a:defRPr sz="4400" kern="1200">
+                <a:solidFill>
+                  <a:schemeClr val="tx1"/>
+                </a:solidFill>
+                <a:latin typeface="+mj-lt"/>
+                <a:ea typeface="+mj-ea"/>
+                <a:cs typeface="+mj-cs"/>
+              </a:defRPr>
+            </a:lvl1pPr>
+          </a:lstStyle>
+          <a:p>
+            <a:pPr algn="ctr"/>
+            <a:r>
+              <a:rPr lang="he-IL" sz="7000" b="1" dirty="0" smtClean="0">
+                <a:solidFill>
+                  <a:schemeClr val="accent1">
+                    <a:lumMod val="50000"/>
+                  </a:schemeClr>
+                </a:solidFill>
+                <a:latin typeface="Calibri Light" panose="020F0302020204030204" pitchFamily="34" charset="0"/>
+                <a:cs typeface="Calibri Light" panose="020F0302020204030204" pitchFamily="34" charset="0"/>
+              </a:rPr>
+              <a:t>מסכי המערכת</a:t>
+            </a:r>
+            <a:endParaRPr lang="he-IL" sz="7000" b="1" dirty="0">
+              <a:solidFill>
+                <a:schemeClr val="accent1">
+                  <a:lumMod val="50000"/>
+                </a:schemeClr>
+              </a:solidFill>
+              <a:latin typeface="Calibri Light" panose="020F0302020204030204" pitchFamily="34" charset="0"/>
+              <a:cs typeface="Calibri Light" panose="020F0302020204030204" pitchFamily="34" charset="0"/>
+            </a:endParaRPr>
+          </a:p>
+        </p:txBody>
+      </p:sp>
+      <p:sp>
+        <p:nvSpPr>
+          <p:cNvPr id="7" name="כותרת 1"/>
+          <p:cNvSpPr txBox="1">
+            <a:spLocks/>
+          </p:cNvSpPr>
+          <p:nvPr/>
+        </p:nvSpPr>
+        <p:spPr>
+          <a:xfrm>
+            <a:off x="9652000" y="1229241"/>
+            <a:ext cx="2400300" cy="744354"/>
+          </a:xfrm>
+          <a:prstGeom prst="rect">
+            <a:avLst/>
+          </a:prstGeom>
+        </p:spPr>
+        <p:txBody>
+          <a:bodyPr vert="horz" lIns="91440" tIns="45720" rIns="91440" bIns="45720" rtlCol="1" anchor="ctr">
+            <a:normAutofit/>
+          </a:bodyPr>
+          <a:lstStyle>
+            <a:lvl1pPr algn="r" defTabSz="914400" rtl="1" eaLnBrk="1" latinLnBrk="0" hangingPunct="1">
+              <a:lnSpc>
+                <a:spcPct val="90000"/>
+              </a:lnSpc>
+              <a:spcBef>
+                <a:spcPct val="0"/>
+              </a:spcBef>
+              <a:buNone/>
+              <a:defRPr sz="4400" kern="1200">
+                <a:solidFill>
+                  <a:schemeClr val="tx1"/>
+                </a:solidFill>
+                <a:latin typeface="+mj-lt"/>
+                <a:ea typeface="+mj-ea"/>
+                <a:cs typeface="+mj-cs"/>
+              </a:defRPr>
+            </a:lvl1pPr>
+          </a:lstStyle>
+          <a:p>
+            <a:pPr algn="ctr"/>
+            <a:r>
+              <a:rPr lang="he-IL" sz="3500" b="1" dirty="0" smtClean="0">
+                <a:solidFill>
+                  <a:schemeClr val="accent1">
+                    <a:lumMod val="50000"/>
+                  </a:schemeClr>
+                </a:solidFill>
+                <a:latin typeface="Calibri Light" panose="020F0302020204030204" pitchFamily="34" charset="0"/>
+                <a:cs typeface="Calibri Light" panose="020F0302020204030204" pitchFamily="34" charset="0"/>
+              </a:rPr>
+              <a:t>מסך ניהול</a:t>
+            </a:r>
+            <a:endParaRPr lang="he-IL" sz="3500" b="1" dirty="0">
+              <a:solidFill>
+                <a:schemeClr val="accent1">
+                  <a:lumMod val="50000"/>
+                </a:schemeClr>
+              </a:solidFill>
+              <a:latin typeface="Calibri Light" panose="020F0302020204030204" pitchFamily="34" charset="0"/>
+              <a:cs typeface="Calibri Light" panose="020F0302020204030204" pitchFamily="34" charset="0"/>
+            </a:endParaRPr>
+          </a:p>
+        </p:txBody>
+      </p:sp>
+      <p:pic>
+        <p:nvPicPr>
+          <p:cNvPr id="4" name="תמונה 3"/>
+          <p:cNvPicPr>
+            <a:picLocks noChangeAspect="1"/>
+          </p:cNvPicPr>
+          <p:nvPr/>
+        </p:nvPicPr>
+        <p:blipFill>
+          <a:blip r:embed="rId2"/>
+          <a:stretch>
+            <a:fillRect/>
+          </a:stretch>
+        </p:blipFill>
+        <p:spPr>
+          <a:xfrm>
+            <a:off x="0" y="1973595"/>
+            <a:ext cx="12192000" cy="5787571"/>
+          </a:xfrm>
+          <a:prstGeom prst="rect">
+            <a:avLst/>
+          </a:prstGeom>
+        </p:spPr>
+      </p:pic>
+    </p:spTree>
+    <p:extLst>
+      <p:ext uri="{BB962C8B-B14F-4D97-AF65-F5344CB8AC3E}">
+        <p14:creationId xmlns:p14="http://schemas.microsoft.com/office/powerpoint/2010/main" val="1315966390"/>
+      </p:ext>
+    </p:extLst>
+  </p:cSld>
+  <p:clrMapOvr>
+    <a:masterClrMapping/>
+  </p:clrMapOvr>
+  <p:timing>
+    <p:tnLst>
+      <p:par>
+        <p:cTn id="1" dur="indefinite" restart="never" nodeType="tmRoot"/>
+      </p:par>
+    </p:tnLst>
+  </p:timing>
+</p:sld>
+</file>
+
+<file path=ppt/slides/slide21.xml><?xml version="1.0" encoding="utf-8"?>
+<p:sld xmlns:a="http://schemas.openxmlformats.org/drawingml/2006/main" xmlns:r="http://schemas.openxmlformats.org/officeDocument/2006/relationships" xmlns:p="http://schemas.openxmlformats.org/presentationml/2006/main">
+  <p:cSld>
+    <p:spTree>
+      <p:nvGrpSpPr>
+        <p:cNvPr id="1" name=""/>
+        <p:cNvGrpSpPr/>
+        <p:nvPr/>
+      </p:nvGrpSpPr>
+      <p:grpSpPr>
+        <a:xfrm>
+          <a:off x="0" y="0"/>
+          <a:ext cx="0" cy="0"/>
+          <a:chOff x="0" y="0"/>
+          <a:chExt cx="0" cy="0"/>
+        </a:xfrm>
+      </p:grpSpPr>
+      <p:sp>
+        <p:nvSpPr>
+          <p:cNvPr id="6" name="כותרת 1"/>
+          <p:cNvSpPr txBox="1">
+            <a:spLocks/>
+          </p:cNvSpPr>
+          <p:nvPr/>
+        </p:nvSpPr>
+        <p:spPr>
+          <a:xfrm>
+            <a:off x="952500" y="275855"/>
+            <a:ext cx="10515600" cy="1325563"/>
+          </a:xfrm>
+          <a:prstGeom prst="rect">
+            <a:avLst/>
+          </a:prstGeom>
+        </p:spPr>
+        <p:txBody>
+          <a:bodyPr vert="horz" lIns="91440" tIns="45720" rIns="91440" bIns="45720" rtlCol="1" anchor="ctr">
+            <a:normAutofit/>
+          </a:bodyPr>
+          <a:lstStyle>
+            <a:lvl1pPr algn="r" defTabSz="914400" rtl="1" eaLnBrk="1" latinLnBrk="0" hangingPunct="1">
+              <a:lnSpc>
+                <a:spcPct val="90000"/>
+              </a:lnSpc>
+              <a:spcBef>
+                <a:spcPct val="0"/>
+              </a:spcBef>
+              <a:buNone/>
+              <a:defRPr sz="4400" kern="1200">
+                <a:solidFill>
+                  <a:schemeClr val="tx1"/>
+                </a:solidFill>
+                <a:latin typeface="+mj-lt"/>
+                <a:ea typeface="+mj-ea"/>
+                <a:cs typeface="+mj-cs"/>
+              </a:defRPr>
+            </a:lvl1pPr>
+          </a:lstStyle>
+          <a:p>
+            <a:pPr algn="ctr"/>
+            <a:r>
+              <a:rPr lang="he-IL" sz="7000" b="1" dirty="0" smtClean="0">
+                <a:solidFill>
+                  <a:schemeClr val="accent1">
+                    <a:lumMod val="50000"/>
+                  </a:schemeClr>
+                </a:solidFill>
+                <a:latin typeface="Calibri Light" panose="020F0302020204030204" pitchFamily="34" charset="0"/>
+                <a:cs typeface="Calibri Light" panose="020F0302020204030204" pitchFamily="34" charset="0"/>
+              </a:rPr>
+              <a:t>מסקנות </a:t>
+            </a:r>
+            <a:endParaRPr lang="he-IL" sz="7000" b="1" dirty="0">
+              <a:solidFill>
+                <a:schemeClr val="accent1">
+                  <a:lumMod val="50000"/>
+                </a:schemeClr>
+              </a:solidFill>
+              <a:latin typeface="Calibri Light" panose="020F0302020204030204" pitchFamily="34" charset="0"/>
+              <a:cs typeface="Calibri Light" panose="020F0302020204030204" pitchFamily="34" charset="0"/>
+            </a:endParaRPr>
+          </a:p>
+        </p:txBody>
+      </p:sp>
+      <p:sp>
+        <p:nvSpPr>
+          <p:cNvPr id="3" name="מציין מיקום תוכן 2"/>
+          <p:cNvSpPr txBox="1">
+            <a:spLocks/>
+          </p:cNvSpPr>
+          <p:nvPr/>
+        </p:nvSpPr>
+        <p:spPr>
+          <a:xfrm>
+            <a:off x="1625600" y="1601418"/>
+            <a:ext cx="9842500" cy="4786682"/>
+          </a:xfrm>
+          <a:prstGeom prst="rect">
+            <a:avLst/>
+          </a:prstGeom>
+        </p:spPr>
+        <p:txBody>
+          <a:bodyPr vert="horz" lIns="91440" tIns="45720" rIns="91440" bIns="45720" rtlCol="1">
+            <a:noAutofit/>
+          </a:bodyPr>
+          <a:lstStyle>
+            <a:lvl1pPr marL="228600" indent="-228600" algn="r" defTabSz="914400" rtl="1" eaLnBrk="1" latinLnBrk="0" hangingPunct="1">
+              <a:lnSpc>
+                <a:spcPct val="90000"/>
+              </a:lnSpc>
+              <a:spcBef>
+                <a:spcPts val="1000"/>
+              </a:spcBef>
+              <a:buFont typeface="Arial" panose="020B0604020202020204" pitchFamily="34" charset="0"/>
+              <a:buChar char="•"/>
+              <a:defRPr sz="2800" kern="1200">
+                <a:solidFill>
+                  <a:schemeClr val="tx1"/>
+                </a:solidFill>
+                <a:latin typeface="+mn-lt"/>
+                <a:ea typeface="+mn-ea"/>
+                <a:cs typeface="+mn-cs"/>
+              </a:defRPr>
+            </a:lvl1pPr>
+            <a:lvl2pPr marL="685800" indent="-228600" algn="r" defTabSz="914400" rtl="1" eaLnBrk="1" latinLnBrk="0" hangingPunct="1">
+              <a:lnSpc>
+                <a:spcPct val="90000"/>
+              </a:lnSpc>
+              <a:spcBef>
+                <a:spcPts val="500"/>
+              </a:spcBef>
+              <a:buFont typeface="Arial" panose="020B0604020202020204" pitchFamily="34" charset="0"/>
+              <a:buChar char="•"/>
+              <a:defRPr sz="2400" kern="1200">
+                <a:solidFill>
+                  <a:schemeClr val="tx1"/>
+                </a:solidFill>
+                <a:latin typeface="+mn-lt"/>
+                <a:ea typeface="+mn-ea"/>
+                <a:cs typeface="+mn-cs"/>
+              </a:defRPr>
+            </a:lvl2pPr>
+            <a:lvl3pPr marL="1143000" indent="-228600" algn="r" defTabSz="914400" rtl="1" eaLnBrk="1" latinLnBrk="0" hangingPunct="1">
+              <a:lnSpc>
+                <a:spcPct val="90000"/>
+              </a:lnSpc>
+              <a:spcBef>
+                <a:spcPts val="500"/>
+              </a:spcBef>
+              <a:buFont typeface="Arial" panose="020B0604020202020204" pitchFamily="34" charset="0"/>
+              <a:buChar char="•"/>
+              <a:defRPr sz="2000" kern="1200">
+                <a:solidFill>
+                  <a:schemeClr val="tx1"/>
+                </a:solidFill>
+                <a:latin typeface="+mn-lt"/>
+                <a:ea typeface="+mn-ea"/>
+                <a:cs typeface="+mn-cs"/>
+              </a:defRPr>
+            </a:lvl3pPr>
+            <a:lvl4pPr marL="1600200" indent="-228600" algn="r" defTabSz="914400" rtl="1" eaLnBrk="1" latinLnBrk="0" hangingPunct="1">
+              <a:lnSpc>
+                <a:spcPct val="90000"/>
+              </a:lnSpc>
+              <a:spcBef>
+                <a:spcPts val="500"/>
+              </a:spcBef>
+              <a:buFont typeface="Arial" panose="020B0604020202020204" pitchFamily="34" charset="0"/>
+              <a:buChar char="•"/>
+              <a:defRPr sz="1800" kern="1200">
+                <a:solidFill>
+                  <a:schemeClr val="tx1"/>
+                </a:solidFill>
+                <a:latin typeface="+mn-lt"/>
+                <a:ea typeface="+mn-ea"/>
+                <a:cs typeface="+mn-cs"/>
+              </a:defRPr>
+            </a:lvl4pPr>
+            <a:lvl5pPr marL="2057400" indent="-228600" algn="r" defTabSz="914400" rtl="1" eaLnBrk="1" latinLnBrk="0" hangingPunct="1">
+              <a:lnSpc>
+                <a:spcPct val="90000"/>
+              </a:lnSpc>
+              <a:spcBef>
+                <a:spcPts val="500"/>
+              </a:spcBef>
+              <a:buFont typeface="Arial" panose="020B0604020202020204" pitchFamily="34" charset="0"/>
+              <a:buChar char="•"/>
+              <a:defRPr sz="1800" kern="1200">
+                <a:solidFill>
+                  <a:schemeClr val="tx1"/>
+                </a:solidFill>
+                <a:latin typeface="+mn-lt"/>
+                <a:ea typeface="+mn-ea"/>
+                <a:cs typeface="+mn-cs"/>
+              </a:defRPr>
+            </a:lvl5pPr>
+            <a:lvl6pPr marL="2514600" indent="-228600" algn="r" defTabSz="914400" rtl="1" eaLnBrk="1" latinLnBrk="0" hangingPunct="1">
+              <a:lnSpc>
+                <a:spcPct val="90000"/>
+              </a:lnSpc>
+              <a:spcBef>
+                <a:spcPts val="500"/>
+              </a:spcBef>
+              <a:buFont typeface="Arial" panose="020B0604020202020204" pitchFamily="34" charset="0"/>
+              <a:buChar char="•"/>
+              <a:defRPr sz="1800" kern="1200">
+                <a:solidFill>
+                  <a:schemeClr val="tx1"/>
+                </a:solidFill>
+                <a:latin typeface="+mn-lt"/>
+                <a:ea typeface="+mn-ea"/>
+                <a:cs typeface="+mn-cs"/>
+              </a:defRPr>
+            </a:lvl6pPr>
+            <a:lvl7pPr marL="2971800" indent="-228600" algn="r" defTabSz="914400" rtl="1" eaLnBrk="1" latinLnBrk="0" hangingPunct="1">
+              <a:lnSpc>
+                <a:spcPct val="90000"/>
+              </a:lnSpc>
+              <a:spcBef>
+                <a:spcPts val="500"/>
+              </a:spcBef>
+              <a:buFont typeface="Arial" panose="020B0604020202020204" pitchFamily="34" charset="0"/>
+              <a:buChar char="•"/>
+              <a:defRPr sz="1800" kern="1200">
+                <a:solidFill>
+                  <a:schemeClr val="tx1"/>
+                </a:solidFill>
+                <a:latin typeface="+mn-lt"/>
+                <a:ea typeface="+mn-ea"/>
+                <a:cs typeface="+mn-cs"/>
+              </a:defRPr>
+            </a:lvl7pPr>
+            <a:lvl8pPr marL="3429000" indent="-228600" algn="r" defTabSz="914400" rtl="1" eaLnBrk="1" latinLnBrk="0" hangingPunct="1">
+              <a:lnSpc>
+                <a:spcPct val="90000"/>
+              </a:lnSpc>
+              <a:spcBef>
+                <a:spcPts val="500"/>
+              </a:spcBef>
+              <a:buFont typeface="Arial" panose="020B0604020202020204" pitchFamily="34" charset="0"/>
+              <a:buChar char="•"/>
+              <a:defRPr sz="1800" kern="1200">
+                <a:solidFill>
+                  <a:schemeClr val="tx1"/>
+                </a:solidFill>
+                <a:latin typeface="+mn-lt"/>
+                <a:ea typeface="+mn-ea"/>
+                <a:cs typeface="+mn-cs"/>
+              </a:defRPr>
+            </a:lvl8pPr>
+            <a:lvl9pPr marL="3886200" indent="-228600" algn="r" defTabSz="914400" rtl="1" eaLnBrk="1" latinLnBrk="0" hangingPunct="1">
+              <a:lnSpc>
+                <a:spcPct val="90000"/>
+              </a:lnSpc>
+              <a:spcBef>
+                <a:spcPts val="500"/>
+              </a:spcBef>
+              <a:buFont typeface="Arial" panose="020B0604020202020204" pitchFamily="34" charset="0"/>
+              <a:buChar char="•"/>
+              <a:defRPr sz="1800" kern="1200">
+                <a:solidFill>
+                  <a:schemeClr val="tx1"/>
+                </a:solidFill>
+                <a:latin typeface="+mn-lt"/>
+                <a:ea typeface="+mn-ea"/>
+                <a:cs typeface="+mn-cs"/>
+              </a:defRPr>
+            </a:lvl9pPr>
+          </a:lstStyle>
+          <a:p>
+            <a:r>
+              <a:rPr lang="he-IL" sz="2200" b="1" dirty="0" smtClean="0">
+                <a:latin typeface="Calibri Light" panose="020F0302020204030204" pitchFamily="34" charset="0"/>
+                <a:cs typeface="Calibri Light" panose="020F0302020204030204" pitchFamily="34" charset="0"/>
+              </a:rPr>
+              <a:t>העבודה מול הלקוח עד כה בוצעה בצורה מאוד מקצועית תוך התעניינות רבה מאוד של הלקוח. בשלב זה המודול המרכזי במערכת- ניטור טיסות בזמן אמת, פעיל ברפאל ונמצא בשימוש יומיומי ע"י צוותי הפיתוח.</a:t>
+            </a:r>
+          </a:p>
+          <a:p>
+            <a:pPr marL="0" indent="0">
+              <a:buNone/>
+            </a:pPr>
+            <a:endParaRPr lang="he-IL" sz="2200" b="1" dirty="0">
+              <a:latin typeface="Calibri Light" panose="020F0302020204030204" pitchFamily="34" charset="0"/>
+              <a:cs typeface="Calibri Light" panose="020F0302020204030204" pitchFamily="34" charset="0"/>
+            </a:endParaRPr>
+          </a:p>
+          <a:p>
+            <a:pPr marL="0" indent="0">
+              <a:buNone/>
+            </a:pPr>
+            <a:endParaRPr lang="he-IL" sz="2200" b="1" dirty="0" smtClean="0">
+              <a:latin typeface="Calibri Light" panose="020F0302020204030204" pitchFamily="34" charset="0"/>
+              <a:cs typeface="Calibri Light" panose="020F0302020204030204" pitchFamily="34" charset="0"/>
+            </a:endParaRPr>
+          </a:p>
+          <a:p>
+            <a:r>
+              <a:rPr lang="he-IL" sz="2200" b="1" dirty="0" smtClean="0">
+                <a:latin typeface="Calibri Light" panose="020F0302020204030204" pitchFamily="34" charset="0"/>
+                <a:cs typeface="Calibri Light" panose="020F0302020204030204" pitchFamily="34" charset="0"/>
+              </a:rPr>
+              <a:t>למדנו לבצע חקר מקדים על היכולות של הטכנולוגיות בהן אנו משתמשים- מה </a:t>
+            </a:r>
+            <a:r>
+              <a:rPr lang="en-US" sz="2200" b="1" dirty="0" smtClean="0">
+                <a:latin typeface="Calibri Light" panose="020F0302020204030204" pitchFamily="34" charset="0"/>
+                <a:cs typeface="Calibri Light" panose="020F0302020204030204" pitchFamily="34" charset="0"/>
+              </a:rPr>
+              <a:t>JS</a:t>
+            </a:r>
+            <a:r>
+              <a:rPr lang="he-IL" sz="2200" b="1" dirty="0" smtClean="0">
+                <a:latin typeface="Calibri Light" panose="020F0302020204030204" pitchFamily="34" charset="0"/>
+                <a:cs typeface="Calibri Light" panose="020F0302020204030204" pitchFamily="34" charset="0"/>
+              </a:rPr>
+              <a:t> מסוגל לעשות ומה לא. כיצד </a:t>
+            </a:r>
+            <a:r>
+              <a:rPr lang="en-US" sz="2200" b="1" dirty="0" smtClean="0">
+                <a:latin typeface="Calibri Light" panose="020F0302020204030204" pitchFamily="34" charset="0"/>
+                <a:cs typeface="Calibri Light" panose="020F0302020204030204" pitchFamily="34" charset="0"/>
+              </a:rPr>
+              <a:t>Django</a:t>
+            </a:r>
+            <a:r>
+              <a:rPr lang="he-IL" sz="2200" b="1" dirty="0" smtClean="0">
+                <a:latin typeface="Calibri Light" panose="020F0302020204030204" pitchFamily="34" charset="0"/>
+                <a:cs typeface="Calibri Light" panose="020F0302020204030204" pitchFamily="34" charset="0"/>
+              </a:rPr>
+              <a:t> פתר לנו הרבה בעיות שהיה קשה לנו להתמודד עימם בלעדיו </a:t>
+            </a:r>
+            <a:r>
+              <a:rPr lang="he-IL" sz="2200" b="1" dirty="0" err="1" smtClean="0">
+                <a:latin typeface="Calibri Light" panose="020F0302020204030204" pitchFamily="34" charset="0"/>
+                <a:cs typeface="Calibri Light" panose="020F0302020204030204" pitchFamily="34" charset="0"/>
+              </a:rPr>
+              <a:t>וכו</a:t>
+            </a:r>
+            <a:r>
+              <a:rPr lang="he-IL" sz="2200" b="1" dirty="0" smtClean="0">
+                <a:latin typeface="Calibri Light" panose="020F0302020204030204" pitchFamily="34" charset="0"/>
+                <a:cs typeface="Calibri Light" panose="020F0302020204030204" pitchFamily="34" charset="0"/>
+              </a:rPr>
+              <a:t>'.</a:t>
+            </a:r>
+          </a:p>
+          <a:p>
+            <a:pPr marL="0" indent="0">
+              <a:buNone/>
+            </a:pPr>
+            <a:endParaRPr lang="he-IL" sz="2200" b="1" dirty="0">
+              <a:latin typeface="Calibri Light" panose="020F0302020204030204" pitchFamily="34" charset="0"/>
+              <a:cs typeface="Calibri Light" panose="020F0302020204030204" pitchFamily="34" charset="0"/>
+            </a:endParaRPr>
+          </a:p>
+          <a:p>
+            <a:pPr marL="0" indent="0">
+              <a:buNone/>
+            </a:pPr>
+            <a:endParaRPr lang="he-IL" sz="2200" b="1" dirty="0" smtClean="0">
+              <a:latin typeface="Calibri Light" panose="020F0302020204030204" pitchFamily="34" charset="0"/>
+              <a:cs typeface="Calibri Light" panose="020F0302020204030204" pitchFamily="34" charset="0"/>
+            </a:endParaRPr>
+          </a:p>
+          <a:p>
+            <a:r>
+              <a:rPr lang="he-IL" sz="2200" b="1" dirty="0" smtClean="0">
+                <a:latin typeface="Calibri Light" panose="020F0302020204030204" pitchFamily="34" charset="0"/>
+                <a:cs typeface="Calibri Light" panose="020F0302020204030204" pitchFamily="34" charset="0"/>
+              </a:rPr>
+              <a:t>שימוש בכלים סטנדרטים קיימים- למשל שימוש בלוגר המובנה של </a:t>
+            </a:r>
+            <a:r>
+              <a:rPr lang="he-IL" sz="2200" b="1" dirty="0" err="1" smtClean="0">
+                <a:latin typeface="Calibri Light" panose="020F0302020204030204" pitchFamily="34" charset="0"/>
+                <a:cs typeface="Calibri Light" panose="020F0302020204030204" pitchFamily="34" charset="0"/>
+              </a:rPr>
+              <a:t>פייתון</a:t>
+            </a:r>
+            <a:r>
+              <a:rPr lang="he-IL" sz="2200" b="1" dirty="0" smtClean="0">
+                <a:latin typeface="Calibri Light" panose="020F0302020204030204" pitchFamily="34" charset="0"/>
+                <a:cs typeface="Calibri Light" panose="020F0302020204030204" pitchFamily="34" charset="0"/>
+              </a:rPr>
+              <a:t> נתן לנו הרבה אפשרויות קונפיגורציה שמהן יהיה לנו קל יותר לנתח את הלוגים.</a:t>
+            </a:r>
+            <a:endParaRPr lang="he-IL" sz="1800" b="1" dirty="0" smtClean="0">
+              <a:latin typeface="Calibri Light" panose="020F0302020204030204" pitchFamily="34" charset="0"/>
+              <a:cs typeface="Calibri Light" panose="020F0302020204030204" pitchFamily="34" charset="0"/>
+            </a:endParaRPr>
+          </a:p>
+          <a:p>
+            <a:pPr marL="0" indent="0">
+              <a:buNone/>
+            </a:pPr>
+            <a:endParaRPr lang="he-IL" sz="2200" b="1" dirty="0" smtClean="0">
+              <a:latin typeface="Calibri Light" panose="020F0302020204030204" pitchFamily="34" charset="0"/>
+              <a:cs typeface="Calibri Light" panose="020F0302020204030204" pitchFamily="34" charset="0"/>
+            </a:endParaRPr>
+          </a:p>
+          <a:p>
+            <a:pPr marL="0" indent="0">
+              <a:buNone/>
+            </a:pPr>
+            <a:r>
+              <a:rPr lang="he-IL" sz="2200" b="1" dirty="0" smtClean="0">
+                <a:latin typeface="Calibri Light" panose="020F0302020204030204" pitchFamily="34" charset="0"/>
+                <a:cs typeface="Calibri Light" panose="020F0302020204030204" pitchFamily="34" charset="0"/>
+              </a:rPr>
+              <a:t> </a:t>
+            </a:r>
+          </a:p>
+          <a:p>
+            <a:endParaRPr lang="he-IL" sz="2200" b="1" dirty="0">
+              <a:latin typeface="David" panose="020E0502060401010101" pitchFamily="34" charset="-79"/>
+              <a:cs typeface="David" panose="020E0502060401010101" pitchFamily="34" charset="-79"/>
+            </a:endParaRPr>
+          </a:p>
+        </p:txBody>
+      </p:sp>
+    </p:spTree>
+    <p:extLst>
+      <p:ext uri="{BB962C8B-B14F-4D97-AF65-F5344CB8AC3E}">
+        <p14:creationId xmlns:p14="http://schemas.microsoft.com/office/powerpoint/2010/main" val="1984015782"/>
+      </p:ext>
+    </p:extLst>
+  </p:cSld>
+  <p:clrMapOvr>
+    <a:masterClrMapping/>
+  </p:clrMapOvr>
+  <p:timing>
+    <p:tnLst>
+      <p:par>
+        <p:cTn id="1" dur="indefinite" restart="never" nodeType="tmRoot"/>
+      </p:par>
+    </p:tnLst>
+  </p:timing>
+</p:sld>
+</file>
+
+<file path=ppt/slides/slide22.xml><?xml version="1.0" encoding="utf-8"?>
 <p:sld xmlns:a="http://schemas.openxmlformats.org/drawingml/2006/main" xmlns:r="http://schemas.openxmlformats.org/officeDocument/2006/relationships" xmlns:p="http://schemas.openxmlformats.org/presentationml/2006/main">
   <p:cSld>
     <p:spTree>
@@ -9802,7 +10662,7 @@
         <p:spPr>
           <a:xfrm>
             <a:off x="1016000" y="1726858"/>
-            <a:ext cx="10515600" cy="1280868"/>
+            <a:ext cx="10515600" cy="2730842"/>
           </a:xfrm>
           <a:prstGeom prst="rect">
             <a:avLst/>
@@ -10010,55 +10870,67 @@
                 <a:latin typeface="Calibri Light" panose="020F0302020204030204" pitchFamily="34" charset="0"/>
                 <a:cs typeface="Calibri Light" panose="020F0302020204030204" pitchFamily="34" charset="0"/>
               </a:rPr>
-              <a:t>, דרך ניהול גרסאות התוכנה ועד ניתוח הלוגים והסקת </a:t>
-            </a:r>
+              <a:t>, דרך ניהול גרסאות התוכנה ועד ניתוח הלוגים והסקת מסקנות.</a:t>
+            </a:r>
+          </a:p>
+          <a:p>
             <a:r>
               <a:rPr lang="he-IL" sz="2200" b="1" dirty="0" smtClean="0">
                 <a:latin typeface="Calibri Light" panose="020F0302020204030204" pitchFamily="34" charset="0"/>
                 <a:cs typeface="Calibri Light" panose="020F0302020204030204" pitchFamily="34" charset="0"/>
               </a:rPr>
-              <a:t>מסקנות.</a:t>
-            </a:r>
-            <a:endParaRPr lang="he-IL" sz="2200" b="1" dirty="0" smtClean="0">
-              <a:latin typeface="Calibri Light" panose="020F0302020204030204" pitchFamily="34" charset="0"/>
-              <a:cs typeface="Calibri Light" panose="020F0302020204030204" pitchFamily="34" charset="0"/>
-            </a:endParaRPr>
-          </a:p>
-          <a:p>
+              <a:t>אין </a:t>
+            </a:r>
+            <a:r>
+              <a:rPr lang="en-US" sz="2200" b="1" dirty="0" smtClean="0">
+                <a:latin typeface="Calibri Light" panose="020F0302020204030204" pitchFamily="34" charset="0"/>
+                <a:cs typeface="Calibri Light" panose="020F0302020204030204" pitchFamily="34" charset="0"/>
+              </a:rPr>
+              <a:t>DB</a:t>
+            </a:r>
             <a:r>
               <a:rPr lang="he-IL" sz="2200" b="1" dirty="0" smtClean="0">
                 <a:latin typeface="Calibri Light" panose="020F0302020204030204" pitchFamily="34" charset="0"/>
                 <a:cs typeface="Calibri Light" panose="020F0302020204030204" pitchFamily="34" charset="0"/>
               </a:rPr>
-              <a:t>אין </a:t>
-            </a:r>
-            <a:r>
-              <a:rPr lang="en-US" sz="2200" b="1" dirty="0" smtClean="0">
-                <a:latin typeface="Calibri Light" panose="020F0302020204030204" pitchFamily="34" charset="0"/>
-                <a:cs typeface="Calibri Light" panose="020F0302020204030204" pitchFamily="34" charset="0"/>
-              </a:rPr>
-              <a:t>DB</a:t>
+              <a:t> מאוחד ומסודר ממנו ניתן לשלוף מידע לגבי כל אחד </a:t>
+            </a:r>
+            <a:r>
+              <a:rPr lang="he-IL" sz="2200" b="1" dirty="0" err="1" smtClean="0">
+                <a:latin typeface="Calibri Light" panose="020F0302020204030204" pitchFamily="34" charset="0"/>
+                <a:cs typeface="Calibri Light" panose="020F0302020204030204" pitchFamily="34" charset="0"/>
+              </a:rPr>
+              <a:t>מהרחפנים</a:t>
             </a:r>
             <a:r>
               <a:rPr lang="he-IL" sz="2200" b="1" dirty="0" smtClean="0">
                 <a:latin typeface="Calibri Light" panose="020F0302020204030204" pitchFamily="34" charset="0"/>
                 <a:cs typeface="Calibri Light" panose="020F0302020204030204" pitchFamily="34" charset="0"/>
               </a:rPr>
-              <a:t> מאוחד ומסודר ממנו ניתן לשלוף מידע לגבי כל אחד </a:t>
+              <a:t>.</a:t>
+            </a:r>
+          </a:p>
+          <a:p>
+            <a:r>
+              <a:rPr lang="he-IL" sz="2200" b="1" dirty="0" smtClean="0">
+                <a:latin typeface="Calibri Light" panose="020F0302020204030204" pitchFamily="34" charset="0"/>
+                <a:cs typeface="Calibri Light" panose="020F0302020204030204" pitchFamily="34" charset="0"/>
+              </a:rPr>
+              <a:t>הסתמכות מוחלטת על "זיכרון של אנשים"- ישנם מספר בעלי תפקידים המלווים את </a:t>
             </a:r>
             <a:r>
               <a:rPr lang="he-IL" sz="2200" b="1" dirty="0" err="1" smtClean="0">
                 <a:latin typeface="Calibri Light" panose="020F0302020204030204" pitchFamily="34" charset="0"/>
                 <a:cs typeface="Calibri Light" panose="020F0302020204030204" pitchFamily="34" charset="0"/>
               </a:rPr>
-              <a:t>מהרחפנים</a:t>
+              <a:t>הפרוייקט</a:t>
             </a:r>
             <a:r>
               <a:rPr lang="he-IL" sz="2200" b="1" dirty="0" smtClean="0">
                 <a:latin typeface="Calibri Light" panose="020F0302020204030204" pitchFamily="34" charset="0"/>
                 <a:cs typeface="Calibri Light" panose="020F0302020204030204" pitchFamily="34" charset="0"/>
               </a:rPr>
-              <a:t>.</a:t>
+              <a:t> מתחילתו, ומרכזים ידע שאין בשום מקום אחר.</a:t>
             </a:r>
           </a:p>
           <a:p>
@@ -10067,63 +10939,36 @@
                 <a:latin typeface="Calibri Light" panose="020F0302020204030204" pitchFamily="34" charset="0"/>
                 <a:cs typeface="Calibri Light" panose="020F0302020204030204" pitchFamily="34" charset="0"/>
               </a:rPr>
-              <a:t>הסתמכות מוחלטת על "זיכרון של אנשים"- ישנם מספר בעלי תפקידים המלווים את </a:t>
+              <a:t>אין מעקב וטיפול רציפים </a:t>
             </a:r>
             <a:r>
               <a:rPr lang="he-IL" sz="2200" b="1" dirty="0" err="1" smtClean="0">
                 <a:latin typeface="Calibri Light" panose="020F0302020204030204" pitchFamily="34" charset="0"/>
                 <a:cs typeface="Calibri Light" panose="020F0302020204030204" pitchFamily="34" charset="0"/>
               </a:rPr>
-              <a:t>הפרוייקט</a:t>
+              <a:t>ברחפנים</a:t>
             </a:r>
             <a:r>
               <a:rPr lang="he-IL" sz="2200" b="1" dirty="0" smtClean="0">
                 <a:latin typeface="Calibri Light" panose="020F0302020204030204" pitchFamily="34" charset="0"/>
                 <a:cs typeface="Calibri Light" panose="020F0302020204030204" pitchFamily="34" charset="0"/>
               </a:rPr>
-              <a:t> מתחילתו, ומרכזים ידע שאין בשום מקום אחר.</a:t>
-            </a:r>
-          </a:p>
-          <a:p>
+              <a:t> משום שאין מידע לגבי שעות הטיסה של כל </a:t>
+            </a:r>
+            <a:r>
+              <a:rPr lang="he-IL" sz="2200" b="1" dirty="0" err="1" smtClean="0">
+                <a:latin typeface="Calibri Light" panose="020F0302020204030204" pitchFamily="34" charset="0"/>
+                <a:cs typeface="Calibri Light" panose="020F0302020204030204" pitchFamily="34" charset="0"/>
+              </a:rPr>
+              <a:t>רחפן</a:t>
+            </a:r>
             <a:r>
               <a:rPr lang="he-IL" sz="2200" b="1" dirty="0" smtClean="0">
                 <a:latin typeface="Calibri Light" panose="020F0302020204030204" pitchFamily="34" charset="0"/>
                 <a:cs typeface="Calibri Light" panose="020F0302020204030204" pitchFamily="34" charset="0"/>
               </a:rPr>
-              <a:t>אין מעקב וטיפול רציפים </a:t>
-            </a:r>
-            <a:r>
-              <a:rPr lang="he-IL" sz="2200" b="1" dirty="0" err="1" smtClean="0">
-                <a:latin typeface="Calibri Light" panose="020F0302020204030204" pitchFamily="34" charset="0"/>
-                <a:cs typeface="Calibri Light" panose="020F0302020204030204" pitchFamily="34" charset="0"/>
-              </a:rPr>
-              <a:t>ברחפנים</a:t>
-            </a:r>
-            <a:r>
-              <a:rPr lang="he-IL" sz="2200" b="1" dirty="0" smtClean="0">
-                <a:latin typeface="Calibri Light" panose="020F0302020204030204" pitchFamily="34" charset="0"/>
-                <a:cs typeface="Calibri Light" panose="020F0302020204030204" pitchFamily="34" charset="0"/>
-              </a:rPr>
-              <a:t> משום שאין מידע לגבי שעות הטיסה של כל </a:t>
-            </a:r>
-            <a:r>
-              <a:rPr lang="he-IL" sz="2200" b="1" dirty="0" err="1" smtClean="0">
-                <a:latin typeface="Calibri Light" panose="020F0302020204030204" pitchFamily="34" charset="0"/>
-                <a:cs typeface="Calibri Light" panose="020F0302020204030204" pitchFamily="34" charset="0"/>
-              </a:rPr>
-              <a:t>רחפן</a:t>
-            </a:r>
-            <a:r>
-              <a:rPr lang="he-IL" sz="2200" b="1" dirty="0" smtClean="0">
-                <a:latin typeface="Calibri Light" panose="020F0302020204030204" pitchFamily="34" charset="0"/>
-                <a:cs typeface="Calibri Light" panose="020F0302020204030204" pitchFamily="34" charset="0"/>
-              </a:rPr>
               <a:t> (למשל לצורך טיפול תקופתי).</a:t>
             </a:r>
-            <a:endParaRPr lang="he-IL" sz="2200" b="1" dirty="0" smtClean="0">
-              <a:latin typeface="Calibri Light" panose="020F0302020204030204" pitchFamily="34" charset="0"/>
-              <a:cs typeface="Calibri Light" panose="020F0302020204030204" pitchFamily="34" charset="0"/>
-            </a:endParaRPr>
           </a:p>
           <a:p>
             <a:endParaRPr lang="he-IL" sz="2200" b="1" dirty="0">
@@ -10890,7 +11735,19 @@
                 <a:latin typeface="Calibri Light" panose="020F0302020204030204" pitchFamily="34" charset="0"/>
                 <a:cs typeface="Calibri Light" panose="020F0302020204030204" pitchFamily="34" charset="0"/>
               </a:rPr>
-              <a:t>ניסויים</a:t>
+              <a:t>תחקורים</a:t>
+            </a:r>
+          </a:p>
+          <a:p>
+            <a:pPr marL="0" indent="0">
+              <a:buNone/>
+            </a:pPr>
+            <a:r>
+              <a:rPr lang="he-IL" sz="2300" b="1" dirty="0" smtClean="0">
+                <a:latin typeface="Calibri Light" panose="020F0302020204030204" pitchFamily="34" charset="0"/>
+                <a:cs typeface="Calibri Light" panose="020F0302020204030204" pitchFamily="34" charset="0"/>
+              </a:rPr>
+              <a:t>ניהול</a:t>
             </a:r>
           </a:p>
           <a:p>
@@ -11058,6 +11915,47 @@
           <a:xfrm>
             <a:off x="-447674" y="3205880"/>
             <a:ext cx="9646266" cy="3542414"/>
+          </a:xfrm>
+          <a:prstGeom prst="rect">
+            <a:avLst/>
+          </a:prstGeom>
+          <a:noFill/>
+          <a:extLst>
+            <a:ext uri="{909E8E84-426E-40DD-AFC4-6F175D3DCCD1}">
+              <a14:hiddenFill xmlns:a14="http://schemas.microsoft.com/office/drawing/2010/main">
+                <a:solidFill>
+                  <a:srgbClr val="FFFFFF"/>
+                </a:solidFill>
+              </a14:hiddenFill>
+            </a:ext>
+          </a:extLst>
+        </p:spPr>
+      </p:pic>
+      <p:pic>
+        <p:nvPicPr>
+          <p:cNvPr id="12" name="Picture 2" descr="https://d30y9cdsu7xlg0.cloudfront.net/png/17484-200.png"/>
+          <p:cNvPicPr>
+            <a:picLocks noChangeAspect="1" noChangeArrowheads="1"/>
+          </p:cNvPicPr>
+          <p:nvPr/>
+        </p:nvPicPr>
+        <p:blipFill>
+          <a:blip r:embed="rId2" cstate="print">
+            <a:extLst>
+              <a:ext uri="{28A0092B-C50C-407E-A947-70E740481C1C}">
+                <a14:useLocalDpi xmlns:a14="http://schemas.microsoft.com/office/drawing/2010/main" val="0"/>
+              </a:ext>
+            </a:extLst>
+          </a:blip>
+          <a:srcRect/>
+          <a:stretch>
+            <a:fillRect/>
+          </a:stretch>
+        </p:blipFill>
+        <p:spPr bwMode="auto">
+          <a:xfrm>
+            <a:off x="11499608" y="4623144"/>
+            <a:ext cx="338017" cy="338017"/>
           </a:xfrm>
           <a:prstGeom prst="rect">
             <a:avLst/>
@@ -11320,7 +12218,7 @@
         <p:spPr>
           <a:xfrm>
             <a:off x="1951630" y="1391353"/>
-            <a:ext cx="9727092" cy="2541678"/>
+            <a:ext cx="9727092" cy="3242560"/>
           </a:xfrm>
           <a:prstGeom prst="rect">
             <a:avLst/>
@@ -11584,14 +12482,7 @@
                 <a:latin typeface="Calibri Light" panose="020F0302020204030204" pitchFamily="34" charset="0"/>
                 <a:cs typeface="Calibri Light" panose="020F0302020204030204" pitchFamily="34" charset="0"/>
               </a:rPr>
-              <a:t>המערכת תתריע על תקלה בזמן </a:t>
-            </a:r>
-            <a:r>
-              <a:rPr lang="he-IL" sz="2200" b="1" dirty="0" smtClean="0">
-                <a:latin typeface="Calibri Light" panose="020F0302020204030204" pitchFamily="34" charset="0"/>
-                <a:cs typeface="Calibri Light" panose="020F0302020204030204" pitchFamily="34" charset="0"/>
-              </a:rPr>
-              <a:t>טיסה</a:t>
+              <a:t>המערכת תתריע על תקלה בזמן טיסה</a:t>
             </a:r>
           </a:p>
           <a:p>
@@ -11620,10 +12511,33 @@
               </a:rPr>
               <a:t> רבים במקביל ולאפשר עבודה מול כל אחד מהם בנפרד.</a:t>
             </a:r>
-            <a:endParaRPr lang="he-IL" sz="2200" b="1" dirty="0" smtClean="0">
-              <a:latin typeface="Calibri Light" panose="020F0302020204030204" pitchFamily="34" charset="0"/>
-              <a:cs typeface="Calibri Light" panose="020F0302020204030204" pitchFamily="34" charset="0"/>
-            </a:endParaRPr>
+          </a:p>
+          <a:p>
+            <a:pPr>
+              <a:buFont typeface="Courier New" panose="02070309020205020404" pitchFamily="49" charset="0"/>
+              <a:buChar char="o"/>
+            </a:pPr>
+            <a:r>
+              <a:rPr lang="he-IL" sz="2200" b="1" dirty="0" smtClean="0">
+                <a:latin typeface="Calibri Light" panose="020F0302020204030204" pitchFamily="34" charset="0"/>
+                <a:cs typeface="Calibri Light" panose="020F0302020204030204" pitchFamily="34" charset="0"/>
+              </a:rPr>
+              <a:t>המערכת תתריע על </a:t>
+            </a:r>
+            <a:r>
+              <a:rPr lang="he-IL" sz="2200" b="1" dirty="0" err="1" smtClean="0">
+                <a:latin typeface="Calibri Light" panose="020F0302020204030204" pitchFamily="34" charset="0"/>
+                <a:cs typeface="Calibri Light" panose="020F0302020204030204" pitchFamily="34" charset="0"/>
+              </a:rPr>
+              <a:t>רחפן</a:t>
+            </a:r>
+            <a:r>
+              <a:rPr lang="he-IL" sz="2200" b="1" dirty="0" smtClean="0">
+                <a:latin typeface="Calibri Light" panose="020F0302020204030204" pitchFamily="34" charset="0"/>
+                <a:cs typeface="Calibri Light" panose="020F0302020204030204" pitchFamily="34" charset="0"/>
+              </a:rPr>
+              <a:t> שעולה לאוויר/מבצע נחיתה/ תקלה שמתגלה מכל אחד ממסכי המערכת</a:t>
+            </a:r>
           </a:p>
           <a:p>
             <a:pPr marL="0" indent="0">
@@ -12075,49 +12989,45 @@
               <a:buChar char="o"/>
             </a:pPr>
             <a:r>
-              <a:rPr lang="he-IL" sz="2200" b="1" dirty="0" smtClean="0">
-                <a:latin typeface="Calibri Light" panose="020F0302020204030204" pitchFamily="34" charset="0"/>
-                <a:cs typeface="Calibri Light" panose="020F0302020204030204" pitchFamily="34" charset="0"/>
-              </a:rPr>
-              <a:t>זיהוי מקדים של מקרים בהם הרחפן לא עומד בדרישות המבוקשות כתוצאה מניסויים קודמים</a:t>
+              <a:rPr lang="he-IL" sz="2200" b="1" dirty="0">
+                <a:latin typeface="Calibri Light" panose="020F0302020204030204" pitchFamily="34" charset="0"/>
+                <a:cs typeface="Calibri Light" panose="020F0302020204030204" pitchFamily="34" charset="0"/>
+              </a:rPr>
+              <a:t>מימוש אלגוריתם להרכבת ה</a:t>
+            </a:r>
+            <a:r>
+              <a:rPr lang="en-US" sz="2200" b="1" dirty="0">
+                <a:latin typeface="Calibri Light" panose="020F0302020204030204" pitchFamily="34" charset="0"/>
+                <a:cs typeface="Calibri Light" panose="020F0302020204030204" pitchFamily="34" charset="0"/>
+              </a:rPr>
+              <a:t>Setup</a:t>
+            </a:r>
+            <a:r>
+              <a:rPr lang="he-IL" sz="2200" b="1" dirty="0">
+                <a:latin typeface="Calibri Light" panose="020F0302020204030204" pitchFamily="34" charset="0"/>
+                <a:cs typeface="Calibri Light" panose="020F0302020204030204" pitchFamily="34" charset="0"/>
+              </a:rPr>
+              <a:t> המלא לפי הדרישות (ממומש במערכת המבצעית בלבד)</a:t>
             </a:r>
           </a:p>
           <a:p>
             <a:pPr>
               <a:buFont typeface="Courier New" panose="02070309020205020404" pitchFamily="49" charset="0"/>
               <a:buChar char="o"/>
+            </a:pPr>
+            <a:endParaRPr lang="he-IL" sz="2200" b="1" dirty="0" smtClean="0">
+              <a:latin typeface="Calibri Light" panose="020F0302020204030204" pitchFamily="34" charset="0"/>
+              <a:cs typeface="Calibri Light" panose="020F0302020204030204" pitchFamily="34" charset="0"/>
+            </a:endParaRPr>
+          </a:p>
+          <a:p>
+            <a:pPr marL="0" indent="0">
+              <a:buNone/>
             </a:pPr>
             <a:endParaRPr lang="he-IL" sz="2200" b="1" dirty="0">
               <a:latin typeface="Calibri Light" panose="020F0302020204030204" pitchFamily="34" charset="0"/>
               <a:cs typeface="Calibri Light" panose="020F0302020204030204" pitchFamily="34" charset="0"/>
             </a:endParaRPr>
-          </a:p>
-          <a:p>
-            <a:pPr>
-              <a:buFont typeface="Courier New" panose="02070309020205020404" pitchFamily="49" charset="0"/>
-              <a:buChar char="o"/>
-            </a:pPr>
-            <a:r>
-              <a:rPr lang="he-IL" sz="2200" b="1" dirty="0" smtClean="0">
-                <a:latin typeface="Calibri Light" panose="020F0302020204030204" pitchFamily="34" charset="0"/>
-                <a:cs typeface="Calibri Light" panose="020F0302020204030204" pitchFamily="34" charset="0"/>
-              </a:rPr>
-              <a:t>בעתיד, מימוש אלגוריתם להרכבת ה</a:t>
-            </a:r>
-            <a:r>
-              <a:rPr lang="en-US" sz="2200" b="1" dirty="0" smtClean="0">
-                <a:latin typeface="Calibri Light" panose="020F0302020204030204" pitchFamily="34" charset="0"/>
-                <a:cs typeface="Calibri Light" panose="020F0302020204030204" pitchFamily="34" charset="0"/>
-              </a:rPr>
-              <a:t>Setup</a:t>
-            </a:r>
-            <a:r>
-              <a:rPr lang="he-IL" sz="2200" b="1" dirty="0" smtClean="0">
-                <a:latin typeface="Calibri Light" panose="020F0302020204030204" pitchFamily="34" charset="0"/>
-                <a:cs typeface="Calibri Light" panose="020F0302020204030204" pitchFamily="34" charset="0"/>
-              </a:rPr>
-              <a:t> המלא לפי הדרישות (ימומש במערכת המבצעית בלבד)</a:t>
-            </a:r>
           </a:p>
           <a:p>
             <a:pPr marL="0" indent="0">
